--- a/ACM/Git_Presentation.pptx
+++ b/ACM/Git_Presentation.pptx
@@ -261,7 +261,7 @@
           <p:nvPr userDrawn="1"/>
         </p:nvPicPr>
         <mc:AlternateContent xmlns:mc="http://schemas.openxmlformats.org/markup-compatibility/2006">
-          <mc:Choice xmlns:ma="http://schemas.microsoft.com/office/mac/drawingml/2008/main" xmlns:mv="urn:schemas-microsoft-com:mac:vml" xmlns="" Requires="ma">
+          <mc:Choice xmlns="" xmlns:mv="urn:schemas-microsoft-com:mac:vml" xmlns:ma="http://schemas.microsoft.com/office/mac/drawingml/2008/main" Requires="ma">
             <p:blipFill>
               <a:blip r:embed="rId3"/>
               <a:stretch>
@@ -297,7 +297,7 @@
           <p:nvPr userDrawn="1"/>
         </p:nvPicPr>
         <mc:AlternateContent xmlns:mc="http://schemas.openxmlformats.org/markup-compatibility/2006">
-          <mc:Choice xmlns:ma="http://schemas.microsoft.com/office/mac/drawingml/2008/main" xmlns:mv="urn:schemas-microsoft-com:mac:vml" xmlns="" Requires="ma">
+          <mc:Choice xmlns="" xmlns:mv="urn:schemas-microsoft-com:mac:vml" xmlns:ma="http://schemas.microsoft.com/office/mac/drawingml/2008/main" Requires="ma">
             <p:blipFill>
               <a:blip r:embed="rId7"/>
               <a:stretch>
@@ -333,7 +333,7 @@
           <p:nvPr userDrawn="1"/>
         </p:nvPicPr>
         <mc:AlternateContent xmlns:mc="http://schemas.openxmlformats.org/markup-compatibility/2006">
-          <mc:Choice xmlns:ma="http://schemas.microsoft.com/office/mac/drawingml/2008/main" xmlns:mv="urn:schemas-microsoft-com:mac:vml" xmlns="" Requires="ma">
+          <mc:Choice xmlns="" xmlns:mv="urn:schemas-microsoft-com:mac:vml" xmlns:ma="http://schemas.microsoft.com/office/mac/drawingml/2008/main" Requires="ma">
             <p:blipFill>
               <a:blip r:embed="rId9"/>
               <a:stretch>
@@ -741,7 +741,7 @@
           <p:nvPr userDrawn="1"/>
         </p:nvPicPr>
         <mc:AlternateContent xmlns:mc="http://schemas.openxmlformats.org/markup-compatibility/2006">
-          <mc:Choice xmlns:ma="http://schemas.microsoft.com/office/mac/drawingml/2008/main" xmlns:mv="urn:schemas-microsoft-com:mac:vml" xmlns="" Requires="ma">
+          <mc:Choice xmlns="" xmlns:mv="urn:schemas-microsoft-com:mac:vml" xmlns:ma="http://schemas.microsoft.com/office/mac/drawingml/2008/main" Requires="ma">
             <p:blipFill>
               <a:blip r:embed="rId3"/>
               <a:stretch>
@@ -777,7 +777,7 @@
           <p:nvPr userDrawn="1"/>
         </p:nvPicPr>
         <mc:AlternateContent xmlns:mc="http://schemas.openxmlformats.org/markup-compatibility/2006">
-          <mc:Choice xmlns:ma="http://schemas.microsoft.com/office/mac/drawingml/2008/main" xmlns:mv="urn:schemas-microsoft-com:mac:vml" xmlns="" Requires="ma">
+          <mc:Choice xmlns="" xmlns:mv="urn:schemas-microsoft-com:mac:vml" xmlns:ma="http://schemas.microsoft.com/office/mac/drawingml/2008/main" Requires="ma">
             <p:blipFill>
               <a:blip r:embed="rId9"/>
               <a:stretch>
@@ -813,7 +813,7 @@
           <p:nvPr userDrawn="1"/>
         </p:nvPicPr>
         <mc:AlternateContent xmlns:mc="http://schemas.openxmlformats.org/markup-compatibility/2006">
-          <mc:Choice xmlns:ma="http://schemas.microsoft.com/office/mac/drawingml/2008/main" xmlns:mv="urn:schemas-microsoft-com:mac:vml" xmlns="" Requires="ma">
+          <mc:Choice xmlns="" xmlns:mv="urn:schemas-microsoft-com:mac:vml" xmlns:ma="http://schemas.microsoft.com/office/mac/drawingml/2008/main" Requires="ma">
             <p:blipFill>
               <a:blip r:embed="rId11"/>
               <a:stretch>
@@ -1438,14 +1438,6 @@
               </a:rPr>
               <a:t>Warning: Lots of puns ahead</a:t>
             </a:r>
-            <a:endParaRPr kumimoji="0" lang="en-US" sz="1200" i="1" u="none" strike="noStrike" kern="1200" cap="none" spc="0" normalizeH="0" baseline="0" noProof="0" dirty="0" smtClean="0">
-              <a:effectLst/>
-              <a:uLnTx/>
-              <a:uFillTx/>
-              <a:latin typeface="Times New Roman"/>
-              <a:ea typeface="+mn-ea"/>
-              <a:cs typeface="Times New Roman"/>
-            </a:endParaRPr>
           </a:p>
         </p:txBody>
       </p:sp>
@@ -1603,20 +1595,6 @@
               </a:rPr>
               <a:t> ready!</a:t>
             </a:r>
-            <a:endParaRPr kumimoji="0" lang="en-US" sz="2750" u="none" strike="noStrike" kern="1200" cap="none" spc="0" normalizeH="0" baseline="0" noProof="0" dirty="0" smtClean="0">
-              <a:ln>
-                <a:noFill/>
-              </a:ln>
-              <a:solidFill>
-                <a:srgbClr val="990000"/>
-              </a:solidFill>
-              <a:effectLst/>
-              <a:uLnTx/>
-              <a:uFillTx/>
-              <a:latin typeface="Arial"/>
-              <a:ea typeface="+mj-ea"/>
-              <a:cs typeface="Arial"/>
-            </a:endParaRPr>
           </a:p>
         </p:txBody>
       </p:sp>
@@ -1671,14 +1649,6 @@
               </a:rPr>
               <a:t>Pun Counter: 7</a:t>
             </a:r>
-            <a:endParaRPr kumimoji="0" lang="en-US" sz="1200" i="1" u="none" strike="noStrike" kern="1200" cap="none" spc="0" normalizeH="0" baseline="0" noProof="0" dirty="0" smtClean="0">
-              <a:effectLst/>
-              <a:uLnTx/>
-              <a:uFillTx/>
-              <a:latin typeface="Times New Roman"/>
-              <a:ea typeface="+mn-ea"/>
-              <a:cs typeface="Times New Roman"/>
-            </a:endParaRPr>
           </a:p>
         </p:txBody>
       </p:sp>
@@ -2485,14 +2455,6 @@
               </a:rPr>
               <a:t>Pun Counter: 8</a:t>
             </a:r>
-            <a:endParaRPr kumimoji="0" lang="en-US" sz="1200" i="1" u="none" strike="noStrike" kern="1200" cap="none" spc="0" normalizeH="0" baseline="0" noProof="0" dirty="0" smtClean="0">
-              <a:effectLst/>
-              <a:uLnTx/>
-              <a:uFillTx/>
-              <a:latin typeface="Times New Roman"/>
-              <a:ea typeface="+mn-ea"/>
-              <a:cs typeface="Times New Roman"/>
-            </a:endParaRPr>
           </a:p>
         </p:txBody>
       </p:sp>
@@ -2535,7 +2497,7 @@
         <p:spPr>
           <a:xfrm>
             <a:off x="943687" y="977900"/>
-            <a:ext cx="7399800" cy="2492990"/>
+            <a:ext cx="7399800" cy="4647426"/>
           </a:xfrm>
           <a:prstGeom prst="rect">
             <a:avLst/>
@@ -2675,16 +2637,20 @@
                 <a:latin typeface="Arial"/>
                 <a:cs typeface="Arial"/>
               </a:rPr>
-              <a:t>Deletes all your local changes</a:t>
-            </a:r>
-          </a:p>
-          <a:p>
-            <a:pPr lvl="0">
-              <a:spcBef>
-                <a:spcPct val="0"/>
-              </a:spcBef>
-              <a:defRPr/>
-            </a:pPr>
+              <a:t>Deletes all your local </a:t>
+            </a:r>
+            <a:r>
+              <a:rPr lang="en-US" sz="1400" dirty="0" smtClean="0">
+                <a:solidFill>
+                  <a:schemeClr val="bg2">
+                    <a:lumMod val="10000"/>
+                  </a:schemeClr>
+                </a:solidFill>
+                <a:latin typeface="Arial"/>
+                <a:cs typeface="Arial"/>
+              </a:rPr>
+              <a:t>changes</a:t>
+            </a:r>
             <a:endParaRPr lang="en-US" sz="1400" dirty="0" smtClean="0">
               <a:solidFill>
                 <a:schemeClr val="bg2">
@@ -2784,8 +2750,370 @@
                 <a:latin typeface="Arial"/>
                 <a:cs typeface="Arial"/>
               </a:rPr>
-              <a:t> to push with your changes (I can’t see why you would ever want to do this)</a:t>
-            </a:r>
+              <a:t> to push with your changes (I can’t see why you would ever want to do this</a:t>
+            </a:r>
+            <a:r>
+              <a:rPr lang="en-US" sz="1400" dirty="0" smtClean="0">
+                <a:solidFill>
+                  <a:schemeClr val="bg2">
+                    <a:lumMod val="10000"/>
+                  </a:schemeClr>
+                </a:solidFill>
+                <a:latin typeface="Arial"/>
+                <a:cs typeface="Arial"/>
+              </a:rPr>
+              <a:t>)</a:t>
+            </a:r>
+          </a:p>
+          <a:p>
+            <a:pPr marL="342900" indent="-342900">
+              <a:spcBef>
+                <a:spcPct val="0"/>
+              </a:spcBef>
+              <a:buFont typeface="Arial" panose="020B0604020202020204" pitchFamily="34" charset="0"/>
+              <a:buChar char="•"/>
+              <a:defRPr/>
+            </a:pPr>
+            <a:r>
+              <a:rPr lang="en-US" sz="1400" dirty="0" smtClean="0">
+                <a:solidFill>
+                  <a:schemeClr val="bg2">
+                    <a:lumMod val="10000"/>
+                  </a:schemeClr>
+                </a:solidFill>
+                <a:latin typeface="Arial"/>
+                <a:cs typeface="Arial"/>
+              </a:rPr>
+              <a:t>To revert back to a previous commit and use that as a the new master</a:t>
+            </a:r>
+          </a:p>
+          <a:p>
+            <a:pPr marL="800100" lvl="1" indent="-342900">
+              <a:spcBef>
+                <a:spcPct val="0"/>
+              </a:spcBef>
+              <a:buFont typeface="Arial" panose="020B0604020202020204" pitchFamily="34" charset="0"/>
+              <a:buChar char="•"/>
+              <a:defRPr/>
+            </a:pPr>
+            <a:r>
+              <a:rPr lang="en-US" sz="1400" dirty="0" smtClean="0">
+                <a:solidFill>
+                  <a:schemeClr val="bg2">
+                    <a:lumMod val="10000"/>
+                  </a:schemeClr>
+                </a:solidFill>
+                <a:latin typeface="Courier" pitchFamily="49" charset="0"/>
+                <a:cs typeface="Arial"/>
+              </a:rPr>
+              <a:t>$</a:t>
+            </a:r>
+            <a:r>
+              <a:rPr lang="en-US" sz="1400" dirty="0" err="1" smtClean="0">
+                <a:solidFill>
+                  <a:schemeClr val="bg2">
+                    <a:lumMod val="10000"/>
+                  </a:schemeClr>
+                </a:solidFill>
+                <a:latin typeface="Courier" pitchFamily="49" charset="0"/>
+                <a:cs typeface="Arial"/>
+              </a:rPr>
+              <a:t>git</a:t>
+            </a:r>
+            <a:r>
+              <a:rPr lang="en-US" sz="1400" dirty="0" smtClean="0">
+                <a:solidFill>
+                  <a:schemeClr val="bg2">
+                    <a:lumMod val="10000"/>
+                  </a:schemeClr>
+                </a:solidFill>
+                <a:latin typeface="Courier" pitchFamily="49" charset="0"/>
+                <a:cs typeface="Arial"/>
+              </a:rPr>
+              <a:t> checkout &lt;</a:t>
+            </a:r>
+            <a:r>
+              <a:rPr lang="en-US" sz="1400" dirty="0" err="1" smtClean="0">
+                <a:solidFill>
+                  <a:schemeClr val="bg2">
+                    <a:lumMod val="10000"/>
+                  </a:schemeClr>
+                </a:solidFill>
+                <a:latin typeface="Courier" pitchFamily="49" charset="0"/>
+                <a:cs typeface="Arial"/>
+              </a:rPr>
+              <a:t>commit_id</a:t>
+            </a:r>
+            <a:r>
+              <a:rPr lang="en-US" sz="1400" dirty="0" smtClean="0">
+                <a:solidFill>
+                  <a:schemeClr val="bg2">
+                    <a:lumMod val="10000"/>
+                  </a:schemeClr>
+                </a:solidFill>
+                <a:latin typeface="Courier" pitchFamily="49" charset="0"/>
+                <a:cs typeface="Arial"/>
+              </a:rPr>
+              <a:t>&gt;</a:t>
+            </a:r>
+          </a:p>
+          <a:p>
+            <a:pPr marL="800100" lvl="1" indent="-342900">
+              <a:spcBef>
+                <a:spcPct val="0"/>
+              </a:spcBef>
+              <a:buFont typeface="Arial" panose="020B0604020202020204" pitchFamily="34" charset="0"/>
+              <a:buChar char="•"/>
+              <a:defRPr/>
+            </a:pPr>
+            <a:r>
+              <a:rPr lang="en-US" sz="1400" dirty="0" smtClean="0">
+                <a:solidFill>
+                  <a:schemeClr val="bg2">
+                    <a:lumMod val="10000"/>
+                  </a:schemeClr>
+                </a:solidFill>
+                <a:latin typeface="Courier" pitchFamily="49" charset="0"/>
+                <a:cs typeface="Arial"/>
+              </a:rPr>
+              <a:t>$</a:t>
+            </a:r>
+            <a:r>
+              <a:rPr lang="en-US" sz="1400" dirty="0" err="1" smtClean="0">
+                <a:solidFill>
+                  <a:schemeClr val="bg2">
+                    <a:lumMod val="10000"/>
+                  </a:schemeClr>
+                </a:solidFill>
+                <a:latin typeface="Courier" pitchFamily="49" charset="0"/>
+                <a:cs typeface="Arial"/>
+              </a:rPr>
+              <a:t>git</a:t>
+            </a:r>
+            <a:r>
+              <a:rPr lang="en-US" sz="1400" dirty="0" smtClean="0">
+                <a:solidFill>
+                  <a:schemeClr val="bg2">
+                    <a:lumMod val="10000"/>
+                  </a:schemeClr>
+                </a:solidFill>
+                <a:latin typeface="Courier" pitchFamily="49" charset="0"/>
+                <a:cs typeface="Arial"/>
+              </a:rPr>
+              <a:t> checkout –b </a:t>
+            </a:r>
+            <a:r>
+              <a:rPr lang="en-US" sz="1400" dirty="0" err="1" smtClean="0">
+                <a:solidFill>
+                  <a:schemeClr val="bg2">
+                    <a:lumMod val="10000"/>
+                  </a:schemeClr>
+                </a:solidFill>
+                <a:latin typeface="Courier" pitchFamily="49" charset="0"/>
+                <a:cs typeface="Arial"/>
+              </a:rPr>
+              <a:t>new_master</a:t>
+            </a:r>
+            <a:endParaRPr lang="en-US" sz="1400" dirty="0">
+              <a:solidFill>
+                <a:schemeClr val="bg2">
+                  <a:lumMod val="10000"/>
+                </a:schemeClr>
+              </a:solidFill>
+              <a:latin typeface="Courier" pitchFamily="49" charset="0"/>
+              <a:cs typeface="Arial"/>
+            </a:endParaRPr>
+          </a:p>
+          <a:p>
+            <a:pPr marL="800100" lvl="1" indent="-342900">
+              <a:spcBef>
+                <a:spcPct val="0"/>
+              </a:spcBef>
+              <a:buFont typeface="Arial" panose="020B0604020202020204" pitchFamily="34" charset="0"/>
+              <a:buChar char="•"/>
+              <a:defRPr/>
+            </a:pPr>
+            <a:r>
+              <a:rPr lang="en-US" sz="1400" dirty="0" smtClean="0">
+                <a:solidFill>
+                  <a:schemeClr val="bg2">
+                    <a:lumMod val="10000"/>
+                  </a:schemeClr>
+                </a:solidFill>
+                <a:latin typeface="Courier" pitchFamily="49" charset="0"/>
+                <a:cs typeface="Arial"/>
+              </a:rPr>
+              <a:t>$</a:t>
+            </a:r>
+            <a:r>
+              <a:rPr lang="en-US" sz="1400" dirty="0" err="1" smtClean="0">
+                <a:solidFill>
+                  <a:schemeClr val="bg2">
+                    <a:lumMod val="10000"/>
+                  </a:schemeClr>
+                </a:solidFill>
+                <a:latin typeface="Courier" pitchFamily="49" charset="0"/>
+                <a:cs typeface="Arial"/>
+              </a:rPr>
+              <a:t>git</a:t>
+            </a:r>
+            <a:r>
+              <a:rPr lang="en-US" sz="1400" dirty="0" smtClean="0">
+                <a:solidFill>
+                  <a:schemeClr val="bg2">
+                    <a:lumMod val="10000"/>
+                  </a:schemeClr>
+                </a:solidFill>
+                <a:latin typeface="Courier" pitchFamily="49" charset="0"/>
+                <a:cs typeface="Arial"/>
+              </a:rPr>
+              <a:t> branch –d master</a:t>
+            </a:r>
+          </a:p>
+          <a:p>
+            <a:pPr marL="1257300" lvl="2" indent="-342900">
+              <a:spcBef>
+                <a:spcPct val="0"/>
+              </a:spcBef>
+              <a:buFont typeface="Arial" panose="020B0604020202020204" pitchFamily="34" charset="0"/>
+              <a:buChar char="•"/>
+              <a:defRPr/>
+            </a:pPr>
+            <a:r>
+              <a:rPr lang="en-US" sz="1400" b="1" dirty="0" smtClean="0">
+                <a:solidFill>
+                  <a:schemeClr val="bg2">
+                    <a:lumMod val="10000"/>
+                  </a:schemeClr>
+                </a:solidFill>
+                <a:latin typeface="Arial"/>
+                <a:cs typeface="Arial"/>
+              </a:rPr>
+              <a:t>THIS IS PAST THE POINT OF NO RETURN</a:t>
+            </a:r>
+          </a:p>
+          <a:p>
+            <a:pPr marL="800100" lvl="1" indent="-342900">
+              <a:spcBef>
+                <a:spcPct val="0"/>
+              </a:spcBef>
+              <a:buFont typeface="Arial" panose="020B0604020202020204" pitchFamily="34" charset="0"/>
+              <a:buChar char="•"/>
+              <a:defRPr/>
+            </a:pPr>
+            <a:r>
+              <a:rPr lang="en-US" sz="1400" dirty="0" smtClean="0">
+                <a:solidFill>
+                  <a:schemeClr val="bg2">
+                    <a:lumMod val="10000"/>
+                  </a:schemeClr>
+                </a:solidFill>
+                <a:latin typeface="Courier" pitchFamily="49" charset="0"/>
+                <a:cs typeface="Arial"/>
+              </a:rPr>
+              <a:t>$</a:t>
+            </a:r>
+            <a:r>
+              <a:rPr lang="en-US" sz="1400" dirty="0" err="1" smtClean="0">
+                <a:solidFill>
+                  <a:schemeClr val="bg2">
+                    <a:lumMod val="10000"/>
+                  </a:schemeClr>
+                </a:solidFill>
+                <a:latin typeface="Courier" pitchFamily="49" charset="0"/>
+                <a:cs typeface="Arial"/>
+              </a:rPr>
+              <a:t>git</a:t>
+            </a:r>
+            <a:r>
+              <a:rPr lang="en-US" sz="1400" dirty="0" smtClean="0">
+                <a:solidFill>
+                  <a:schemeClr val="bg2">
+                    <a:lumMod val="10000"/>
+                  </a:schemeClr>
+                </a:solidFill>
+                <a:latin typeface="Courier" pitchFamily="49" charset="0"/>
+                <a:cs typeface="Arial"/>
+              </a:rPr>
+              <a:t> branch –mv </a:t>
+            </a:r>
+            <a:r>
+              <a:rPr lang="en-US" sz="1400" dirty="0" err="1" smtClean="0">
+                <a:solidFill>
+                  <a:schemeClr val="bg2">
+                    <a:lumMod val="10000"/>
+                  </a:schemeClr>
+                </a:solidFill>
+                <a:latin typeface="Courier" pitchFamily="49" charset="0"/>
+                <a:cs typeface="Arial"/>
+              </a:rPr>
+              <a:t>new_mater</a:t>
+            </a:r>
+            <a:r>
+              <a:rPr lang="en-US" sz="1400" dirty="0" smtClean="0">
+                <a:solidFill>
+                  <a:schemeClr val="bg2">
+                    <a:lumMod val="10000"/>
+                  </a:schemeClr>
+                </a:solidFill>
+                <a:latin typeface="Courier" pitchFamily="49" charset="0"/>
+                <a:cs typeface="Arial"/>
+              </a:rPr>
+              <a:t> master</a:t>
+            </a:r>
+          </a:p>
+          <a:p>
+            <a:pPr marL="1257300" lvl="2" indent="-342900">
+              <a:spcBef>
+                <a:spcPct val="0"/>
+              </a:spcBef>
+              <a:buFont typeface="Arial" panose="020B0604020202020204" pitchFamily="34" charset="0"/>
+              <a:buChar char="•"/>
+              <a:defRPr/>
+            </a:pPr>
+            <a:r>
+              <a:rPr lang="en-US" sz="1400" b="1" dirty="0" smtClean="0">
+                <a:solidFill>
+                  <a:schemeClr val="bg2">
+                    <a:lumMod val="10000"/>
+                  </a:schemeClr>
+                </a:solidFill>
+                <a:latin typeface="Arial"/>
+                <a:cs typeface="Arial"/>
+              </a:rPr>
+              <a:t>YOU ALSO PROBABLY SCREWED ALL YOUR TEAMMATES UP, HAVE FUN DEBUGGING FOR HOURS UPON HOURS</a:t>
+            </a:r>
+          </a:p>
+          <a:p>
+            <a:pPr marL="1257300" lvl="2" indent="-342900">
+              <a:spcBef>
+                <a:spcPct val="0"/>
+              </a:spcBef>
+              <a:buFont typeface="Arial" panose="020B0604020202020204" pitchFamily="34" charset="0"/>
+              <a:buChar char="•"/>
+              <a:defRPr/>
+            </a:pPr>
+            <a:r>
+              <a:rPr lang="en-US" sz="1400" b="1" dirty="0" smtClean="0">
+                <a:solidFill>
+                  <a:schemeClr val="bg2">
+                    <a:lumMod val="10000"/>
+                  </a:schemeClr>
+                </a:solidFill>
+                <a:latin typeface="Arial"/>
+                <a:cs typeface="Arial"/>
+              </a:rPr>
+              <a:t>I DO NOT ENDORSE THIS. DO THIS AT YOUR OWN RISK. I AM NOT RESPNOSIBLE FOR ANY DAMAGES CAUSED OF YOU DINKING AROUND WITH CHANGING YOUR MASTER BRANCH</a:t>
+            </a:r>
+            <a:endParaRPr lang="en-US" sz="1400" b="1" dirty="0" smtClean="0">
+              <a:solidFill>
+                <a:schemeClr val="bg2">
+                  <a:lumMod val="10000"/>
+                </a:schemeClr>
+              </a:solidFill>
+              <a:latin typeface="Arial"/>
+              <a:cs typeface="Arial"/>
+            </a:endParaRPr>
           </a:p>
         </p:txBody>
       </p:sp>
@@ -2840,14 +3168,6 @@
               </a:rPr>
               <a:t>Pun Counter: 9</a:t>
             </a:r>
-            <a:endParaRPr kumimoji="0" lang="en-US" sz="1200" i="1" u="none" strike="noStrike" kern="1200" cap="none" spc="0" normalizeH="0" baseline="0" noProof="0" dirty="0" smtClean="0">
-              <a:effectLst/>
-              <a:uLnTx/>
-              <a:uFillTx/>
-              <a:latin typeface="Times New Roman"/>
-              <a:ea typeface="+mn-ea"/>
-              <a:cs typeface="Times New Roman"/>
-            </a:endParaRPr>
           </a:p>
         </p:txBody>
       </p:sp>
@@ -3010,20 +3330,6 @@
               </a:rPr>
               <a:t> excited!</a:t>
             </a:r>
-            <a:endParaRPr kumimoji="0" lang="en-US" sz="2750" u="none" strike="noStrike" kern="1200" cap="none" spc="0" normalizeH="0" baseline="0" noProof="0" dirty="0" smtClean="0">
-              <a:ln>
-                <a:noFill/>
-              </a:ln>
-              <a:solidFill>
-                <a:srgbClr val="990000"/>
-              </a:solidFill>
-              <a:effectLst/>
-              <a:uLnTx/>
-              <a:uFillTx/>
-              <a:latin typeface="Arial"/>
-              <a:ea typeface="+mj-ea"/>
-              <a:cs typeface="Arial"/>
-            </a:endParaRPr>
           </a:p>
         </p:txBody>
       </p:sp>
@@ -3376,14 +3682,6 @@
               </a:rPr>
               <a:t>Pun Counter: 2</a:t>
             </a:r>
-            <a:endParaRPr kumimoji="0" lang="en-US" sz="1200" i="1" u="none" strike="noStrike" kern="1200" cap="none" spc="0" normalizeH="0" baseline="0" noProof="0" dirty="0" smtClean="0">
-              <a:effectLst/>
-              <a:uLnTx/>
-              <a:uFillTx/>
-              <a:latin typeface="Times New Roman"/>
-              <a:ea typeface="+mn-ea"/>
-              <a:cs typeface="Times New Roman"/>
-            </a:endParaRPr>
           </a:p>
         </p:txBody>
       </p:sp>
@@ -3621,15 +3919,6 @@
               </a:rPr>
               <a:t>(paraphrased)</a:t>
             </a:r>
-            <a:endParaRPr lang="en-US" dirty="0" smtClean="0">
-              <a:solidFill>
-                <a:schemeClr val="bg2">
-                  <a:lumMod val="10000"/>
-                </a:schemeClr>
-              </a:solidFill>
-              <a:latin typeface="Arial"/>
-              <a:cs typeface="Arial"/>
-            </a:endParaRPr>
           </a:p>
           <a:p>
             <a:pPr lvl="0">
@@ -3750,15 +4039,6 @@
               </a:rPr>
               <a:t>(paraphrased and translated)</a:t>
             </a:r>
-            <a:endParaRPr lang="en-US" dirty="0" smtClean="0">
-              <a:solidFill>
-                <a:schemeClr val="bg2">
-                  <a:lumMod val="10000"/>
-                </a:schemeClr>
-              </a:solidFill>
-              <a:latin typeface="Arial"/>
-              <a:cs typeface="Arial"/>
-            </a:endParaRPr>
           </a:p>
           <a:p>
             <a:pPr lvl="0">
@@ -3898,13 +4178,6 @@
               </a:rPr>
               <a:t>- Stephen, 2016</a:t>
             </a:r>
-            <a:endParaRPr lang="en-US" dirty="0" smtClean="0">
-              <a:solidFill>
-                <a:srgbClr val="323232"/>
-              </a:solidFill>
-              <a:latin typeface="Arial"/>
-              <a:cs typeface="Arial"/>
-            </a:endParaRPr>
           </a:p>
         </p:txBody>
       </p:sp>
@@ -3959,14 +4232,6 @@
               </a:rPr>
               <a:t>Pun Counter: 2</a:t>
             </a:r>
-            <a:endParaRPr kumimoji="0" lang="en-US" sz="1200" i="1" u="none" strike="noStrike" kern="1200" cap="none" spc="0" normalizeH="0" baseline="0" noProof="0" dirty="0" smtClean="0">
-              <a:effectLst/>
-              <a:uLnTx/>
-              <a:uFillTx/>
-              <a:latin typeface="Times New Roman"/>
-              <a:ea typeface="+mn-ea"/>
-              <a:cs typeface="Times New Roman"/>
-            </a:endParaRPr>
           </a:p>
         </p:txBody>
       </p:sp>
@@ -4388,14 +4653,6 @@
               </a:rPr>
               <a:t>Pun Counter: 2</a:t>
             </a:r>
-            <a:endParaRPr kumimoji="0" lang="en-US" sz="1200" i="1" u="none" strike="noStrike" kern="1200" cap="none" spc="0" normalizeH="0" baseline="0" noProof="0" dirty="0" smtClean="0">
-              <a:effectLst/>
-              <a:uLnTx/>
-              <a:uFillTx/>
-              <a:latin typeface="Times New Roman"/>
-              <a:ea typeface="+mn-ea"/>
-              <a:cs typeface="Times New Roman"/>
-            </a:endParaRPr>
           </a:p>
         </p:txBody>
       </p:sp>
@@ -4699,14 +4956,6 @@
               </a:rPr>
               <a:t>Pun Counter: 3</a:t>
             </a:r>
-            <a:endParaRPr kumimoji="0" lang="en-US" sz="1200" i="1" u="none" strike="noStrike" kern="1200" cap="none" spc="0" normalizeH="0" baseline="0" noProof="0" dirty="0" smtClean="0">
-              <a:effectLst/>
-              <a:uLnTx/>
-              <a:uFillTx/>
-              <a:latin typeface="Times New Roman"/>
-              <a:ea typeface="+mn-ea"/>
-              <a:cs typeface="Times New Roman"/>
-            </a:endParaRPr>
           </a:p>
         </p:txBody>
       </p:sp>
@@ -5363,14 +5612,6 @@
               </a:rPr>
               <a:t>Pun Counter: 4</a:t>
             </a:r>
-            <a:endParaRPr kumimoji="0" lang="en-US" sz="1200" i="1" u="none" strike="noStrike" kern="1200" cap="none" spc="0" normalizeH="0" baseline="0" noProof="0" dirty="0" smtClean="0">
-              <a:effectLst/>
-              <a:uLnTx/>
-              <a:uFillTx/>
-              <a:latin typeface="Times New Roman"/>
-              <a:ea typeface="+mn-ea"/>
-              <a:cs typeface="Times New Roman"/>
-            </a:endParaRPr>
           </a:p>
         </p:txBody>
       </p:sp>
@@ -5546,14 +5787,6 @@
               </a:rPr>
               <a:t>Pun Counter: 4</a:t>
             </a:r>
-            <a:endParaRPr kumimoji="0" lang="en-US" sz="1200" i="1" u="none" strike="noStrike" kern="1200" cap="none" spc="0" normalizeH="0" baseline="0" noProof="0" dirty="0" smtClean="0">
-              <a:effectLst/>
-              <a:uLnTx/>
-              <a:uFillTx/>
-              <a:latin typeface="Times New Roman"/>
-              <a:ea typeface="+mn-ea"/>
-              <a:cs typeface="Times New Roman"/>
-            </a:endParaRPr>
           </a:p>
         </p:txBody>
       </p:sp>
@@ -5757,20 +5990,6 @@
               </a:rPr>
               <a:t> new commands!</a:t>
             </a:r>
-            <a:endParaRPr kumimoji="0" lang="en-US" sz="2750" u="none" strike="noStrike" kern="1200" cap="none" spc="0" normalizeH="0" baseline="0" noProof="0" dirty="0" smtClean="0">
-              <a:ln>
-                <a:noFill/>
-              </a:ln>
-              <a:solidFill>
-                <a:srgbClr val="990000"/>
-              </a:solidFill>
-              <a:effectLst/>
-              <a:uLnTx/>
-              <a:uFillTx/>
-              <a:latin typeface="Arial"/>
-              <a:ea typeface="+mj-ea"/>
-              <a:cs typeface="Arial"/>
-            </a:endParaRPr>
           </a:p>
         </p:txBody>
       </p:sp>
@@ -5825,14 +6044,6 @@
               </a:rPr>
               <a:t>Pun Counter: 5</a:t>
             </a:r>
-            <a:endParaRPr kumimoji="0" lang="en-US" sz="1200" i="1" u="none" strike="noStrike" kern="1200" cap="none" spc="0" normalizeH="0" baseline="0" noProof="0" dirty="0" smtClean="0">
-              <a:effectLst/>
-              <a:uLnTx/>
-              <a:uFillTx/>
-              <a:latin typeface="Times New Roman"/>
-              <a:ea typeface="+mn-ea"/>
-              <a:cs typeface="Times New Roman"/>
-            </a:endParaRPr>
           </a:p>
         </p:txBody>
       </p:sp>
@@ -6433,14 +6644,6 @@
               </a:rPr>
               <a:t>Pun Counter: 6</a:t>
             </a:r>
-            <a:endParaRPr kumimoji="0" lang="en-US" sz="1200" i="1" u="none" strike="noStrike" kern="1200" cap="none" spc="0" normalizeH="0" baseline="0" noProof="0" dirty="0" smtClean="0">
-              <a:effectLst/>
-              <a:uLnTx/>
-              <a:uFillTx/>
-              <a:latin typeface="Times New Roman"/>
-              <a:ea typeface="+mn-ea"/>
-              <a:cs typeface="Times New Roman"/>
-            </a:endParaRPr>
           </a:p>
         </p:txBody>
       </p:sp>

--- a/ACM/Git_Presentation.pptx
+++ b/ACM/Git_Presentation.pptx
@@ -261,7 +261,7 @@
           <p:nvPr userDrawn="1"/>
         </p:nvPicPr>
         <mc:AlternateContent xmlns:mc="http://schemas.openxmlformats.org/markup-compatibility/2006">
-          <mc:Choice xmlns="" xmlns:mv="urn:schemas-microsoft-com:mac:vml" xmlns:ma="http://schemas.microsoft.com/office/mac/drawingml/2008/main" Requires="ma">
+          <mc:Choice xmlns:ma="http://schemas.microsoft.com/office/mac/drawingml/2008/main" xmlns:mv="urn:schemas-microsoft-com:mac:vml" xmlns="" Requires="ma">
             <p:blipFill>
               <a:blip r:embed="rId3"/>
               <a:stretch>
@@ -297,7 +297,7 @@
           <p:nvPr userDrawn="1"/>
         </p:nvPicPr>
         <mc:AlternateContent xmlns:mc="http://schemas.openxmlformats.org/markup-compatibility/2006">
-          <mc:Choice xmlns="" xmlns:mv="urn:schemas-microsoft-com:mac:vml" xmlns:ma="http://schemas.microsoft.com/office/mac/drawingml/2008/main" Requires="ma">
+          <mc:Choice xmlns:ma="http://schemas.microsoft.com/office/mac/drawingml/2008/main" xmlns:mv="urn:schemas-microsoft-com:mac:vml" xmlns="" Requires="ma">
             <p:blipFill>
               <a:blip r:embed="rId7"/>
               <a:stretch>
@@ -333,7 +333,7 @@
           <p:nvPr userDrawn="1"/>
         </p:nvPicPr>
         <mc:AlternateContent xmlns:mc="http://schemas.openxmlformats.org/markup-compatibility/2006">
-          <mc:Choice xmlns="" xmlns:mv="urn:schemas-microsoft-com:mac:vml" xmlns:ma="http://schemas.microsoft.com/office/mac/drawingml/2008/main" Requires="ma">
+          <mc:Choice xmlns:ma="http://schemas.microsoft.com/office/mac/drawingml/2008/main" xmlns:mv="urn:schemas-microsoft-com:mac:vml" xmlns="" Requires="ma">
             <p:blipFill>
               <a:blip r:embed="rId9"/>
               <a:stretch>
@@ -741,7 +741,7 @@
           <p:nvPr userDrawn="1"/>
         </p:nvPicPr>
         <mc:AlternateContent xmlns:mc="http://schemas.openxmlformats.org/markup-compatibility/2006">
-          <mc:Choice xmlns="" xmlns:mv="urn:schemas-microsoft-com:mac:vml" xmlns:ma="http://schemas.microsoft.com/office/mac/drawingml/2008/main" Requires="ma">
+          <mc:Choice xmlns:ma="http://schemas.microsoft.com/office/mac/drawingml/2008/main" xmlns:mv="urn:schemas-microsoft-com:mac:vml" xmlns="" Requires="ma">
             <p:blipFill>
               <a:blip r:embed="rId3"/>
               <a:stretch>
@@ -777,7 +777,7 @@
           <p:nvPr userDrawn="1"/>
         </p:nvPicPr>
         <mc:AlternateContent xmlns:mc="http://schemas.openxmlformats.org/markup-compatibility/2006">
-          <mc:Choice xmlns="" xmlns:mv="urn:schemas-microsoft-com:mac:vml" xmlns:ma="http://schemas.microsoft.com/office/mac/drawingml/2008/main" Requires="ma">
+          <mc:Choice xmlns:ma="http://schemas.microsoft.com/office/mac/drawingml/2008/main" xmlns:mv="urn:schemas-microsoft-com:mac:vml" xmlns="" Requires="ma">
             <p:blipFill>
               <a:blip r:embed="rId9"/>
               <a:stretch>
@@ -813,7 +813,7 @@
           <p:nvPr userDrawn="1"/>
         </p:nvPicPr>
         <mc:AlternateContent xmlns:mc="http://schemas.openxmlformats.org/markup-compatibility/2006">
-          <mc:Choice xmlns="" xmlns:mv="urn:schemas-microsoft-com:mac:vml" xmlns:ma="http://schemas.microsoft.com/office/mac/drawingml/2008/main" Requires="ma">
+          <mc:Choice xmlns:ma="http://schemas.microsoft.com/office/mac/drawingml/2008/main" xmlns:mv="urn:schemas-microsoft-com:mac:vml" xmlns="" Requires="ma">
             <p:blipFill>
               <a:blip r:embed="rId11"/>
               <a:stretch>
@@ -2637,29 +2637,8 @@
                 <a:latin typeface="Arial"/>
                 <a:cs typeface="Arial"/>
               </a:rPr>
-              <a:t>Deletes all your local </a:t>
-            </a:r>
-            <a:r>
-              <a:rPr lang="en-US" sz="1400" dirty="0" smtClean="0">
-                <a:solidFill>
-                  <a:schemeClr val="bg2">
-                    <a:lumMod val="10000"/>
-                  </a:schemeClr>
-                </a:solidFill>
-                <a:latin typeface="Arial"/>
-                <a:cs typeface="Arial"/>
-              </a:rPr>
-              <a:t>changes</a:t>
-            </a:r>
-            <a:endParaRPr lang="en-US" sz="1400" dirty="0" smtClean="0">
-              <a:solidFill>
-                <a:schemeClr val="bg2">
-                  <a:lumMod val="10000"/>
-                </a:schemeClr>
-              </a:solidFill>
-              <a:latin typeface="Arial"/>
-              <a:cs typeface="Arial"/>
-            </a:endParaRPr>
+              <a:t>Deletes all your local changes</a:t>
+            </a:r>
           </a:p>
           <a:p>
             <a:pPr marL="342900" lvl="0" indent="-342900">
@@ -2750,19 +2729,7 @@
                 <a:latin typeface="Arial"/>
                 <a:cs typeface="Arial"/>
               </a:rPr>
-              <a:t> to push with your changes (I can’t see why you would ever want to do this</a:t>
-            </a:r>
-            <a:r>
-              <a:rPr lang="en-US" sz="1400" dirty="0" smtClean="0">
-                <a:solidFill>
-                  <a:schemeClr val="bg2">
-                    <a:lumMod val="10000"/>
-                  </a:schemeClr>
-                </a:solidFill>
-                <a:latin typeface="Arial"/>
-                <a:cs typeface="Arial"/>
-              </a:rPr>
-              <a:t>)</a:t>
+              <a:t> to push with your changes (I can’t see why you would ever want to do this)</a:t>
             </a:r>
           </a:p>
           <a:p>
@@ -3105,15 +3072,6 @@
               </a:rPr>
               <a:t>I DO NOT ENDORSE THIS. DO THIS AT YOUR OWN RISK. I AM NOT RESPNOSIBLE FOR ANY DAMAGES CAUSED OF YOU DINKING AROUND WITH CHANGING YOUR MASTER BRANCH</a:t>
             </a:r>
-            <a:endParaRPr lang="en-US" sz="1400" b="1" dirty="0" smtClean="0">
-              <a:solidFill>
-                <a:schemeClr val="bg2">
-                  <a:lumMod val="10000"/>
-                </a:schemeClr>
-              </a:solidFill>
-              <a:latin typeface="Arial"/>
-              <a:cs typeface="Arial"/>
-            </a:endParaRPr>
           </a:p>
         </p:txBody>
       </p:sp>
@@ -6086,7 +6044,7 @@
         <p:spPr>
           <a:xfrm>
             <a:off x="943687" y="977900"/>
-            <a:ext cx="7399800" cy="3200876"/>
+            <a:ext cx="7399800" cy="3416320"/>
           </a:xfrm>
           <a:prstGeom prst="rect">
             <a:avLst/>
@@ -6259,8 +6217,63 @@
                 <a:latin typeface="Arial"/>
                 <a:cs typeface="Arial"/>
               </a:rPr>
-              <a:t> to stop tracking the designated file (also removes it locally)</a:t>
-            </a:r>
+              <a:t> to stop tracking the designated file (also removes it locally</a:t>
+            </a:r>
+            <a:r>
+              <a:rPr lang="en-US" sz="1400" dirty="0" smtClean="0">
+                <a:solidFill>
+                  <a:schemeClr val="bg2">
+                    <a:lumMod val="10000"/>
+                  </a:schemeClr>
+                </a:solidFill>
+                <a:latin typeface="Arial"/>
+                <a:cs typeface="Arial"/>
+              </a:rPr>
+              <a:t>)</a:t>
+            </a:r>
+          </a:p>
+          <a:p>
+            <a:pPr marL="800100" lvl="1" indent="-342900">
+              <a:spcBef>
+                <a:spcPct val="0"/>
+              </a:spcBef>
+              <a:buFont typeface="Arial" panose="020B0604020202020204" pitchFamily="34" charset="0"/>
+              <a:buChar char="•"/>
+              <a:defRPr/>
+            </a:pPr>
+            <a:r>
+              <a:rPr lang="en-US" sz="1400" dirty="0" smtClean="0">
+                <a:solidFill>
+                  <a:schemeClr val="bg2">
+                    <a:lumMod val="10000"/>
+                  </a:schemeClr>
+                </a:solidFill>
+                <a:latin typeface="Arial"/>
+                <a:cs typeface="Arial"/>
+              </a:rPr>
+              <a:t>Tracks the change </a:t>
+            </a:r>
+            <a:r>
+              <a:rPr lang="en-US" sz="1400" smtClean="0">
+                <a:solidFill>
+                  <a:schemeClr val="bg2">
+                    <a:lumMod val="10000"/>
+                  </a:schemeClr>
+                </a:solidFill>
+                <a:latin typeface="Arial"/>
+                <a:cs typeface="Arial"/>
+              </a:rPr>
+              <a:t>of removing the file</a:t>
+            </a:r>
+            <a:endParaRPr lang="en-US" sz="1400" dirty="0" smtClean="0">
+              <a:solidFill>
+                <a:schemeClr val="bg2">
+                  <a:lumMod val="10000"/>
+                </a:schemeClr>
+              </a:solidFill>
+              <a:latin typeface="Arial"/>
+              <a:cs typeface="Arial"/>
+            </a:endParaRPr>
           </a:p>
           <a:p>
             <a:pPr lvl="0">

--- a/ACM/Git_Presentation.pptx
+++ b/ACM/Git_Presentation.pptx
@@ -260,24 +260,12 @@
           </p:cNvPicPr>
           <p:nvPr userDrawn="1"/>
         </p:nvPicPr>
-        <mc:AlternateContent xmlns:mc="http://schemas.openxmlformats.org/markup-compatibility/2006">
-          <mc:Choice xmlns:ma="http://schemas.microsoft.com/office/mac/drawingml/2008/main" xmlns:mv="urn:schemas-microsoft-com:mac:vml" xmlns="" Requires="ma">
-            <p:blipFill>
-              <a:blip r:embed="rId3"/>
-              <a:stretch>
-                <a:fillRect/>
-              </a:stretch>
-            </p:blipFill>
-          </mc:Choice>
-          <mc:Fallback>
-            <p:blipFill>
-              <a:blip r:embed="rId4"/>
-              <a:stretch>
-                <a:fillRect/>
-              </a:stretch>
-            </p:blipFill>
-          </mc:Fallback>
-        </mc:AlternateContent>
+        <p:blipFill>
+          <a:blip r:embed="rId3"/>
+          <a:stretch>
+            <a:fillRect/>
+          </a:stretch>
+        </p:blipFill>
         <p:spPr>
           <a:xfrm>
             <a:off x="8201027" y="238127"/>
@@ -296,24 +284,12 @@
           </p:cNvPicPr>
           <p:nvPr userDrawn="1"/>
         </p:nvPicPr>
-        <mc:AlternateContent xmlns:mc="http://schemas.openxmlformats.org/markup-compatibility/2006">
-          <mc:Choice xmlns:ma="http://schemas.microsoft.com/office/mac/drawingml/2008/main" xmlns:mv="urn:schemas-microsoft-com:mac:vml" xmlns="" Requires="ma">
-            <p:blipFill>
-              <a:blip r:embed="rId7"/>
-              <a:stretch>
-                <a:fillRect/>
-              </a:stretch>
-            </p:blipFill>
-          </mc:Choice>
-          <mc:Fallback>
-            <p:blipFill>
-              <a:blip r:embed="rId8"/>
-              <a:stretch>
-                <a:fillRect/>
-              </a:stretch>
-            </p:blipFill>
-          </mc:Fallback>
-        </mc:AlternateContent>
+        <p:blipFill>
+          <a:blip r:embed="rId4"/>
+          <a:stretch>
+            <a:fillRect/>
+          </a:stretch>
+        </p:blipFill>
         <p:spPr>
           <a:xfrm>
             <a:off x="6997700" y="6462029"/>
@@ -332,24 +308,12 @@
           </p:cNvPicPr>
           <p:nvPr userDrawn="1"/>
         </p:nvPicPr>
-        <mc:AlternateContent xmlns:mc="http://schemas.openxmlformats.org/markup-compatibility/2006">
-          <mc:Choice xmlns:ma="http://schemas.microsoft.com/office/mac/drawingml/2008/main" xmlns:mv="urn:schemas-microsoft-com:mac:vml" xmlns="" Requires="ma">
-            <p:blipFill>
-              <a:blip r:embed="rId9"/>
-              <a:stretch>
-                <a:fillRect/>
-              </a:stretch>
-            </p:blipFill>
-          </mc:Choice>
-          <mc:Fallback>
-            <p:blipFill>
-              <a:blip r:embed="rId10"/>
-              <a:stretch>
-                <a:fillRect/>
-              </a:stretch>
-            </p:blipFill>
-          </mc:Fallback>
-        </mc:AlternateContent>
+        <p:blipFill>
+          <a:blip r:embed="rId5"/>
+          <a:stretch>
+            <a:fillRect/>
+          </a:stretch>
+        </p:blipFill>
         <p:spPr>
           <a:xfrm>
             <a:off x="292102" y="6138309"/>
@@ -740,24 +704,12 @@
           </p:cNvPicPr>
           <p:nvPr userDrawn="1"/>
         </p:nvPicPr>
-        <mc:AlternateContent xmlns:mc="http://schemas.openxmlformats.org/markup-compatibility/2006">
-          <mc:Choice xmlns:ma="http://schemas.microsoft.com/office/mac/drawingml/2008/main" xmlns:mv="urn:schemas-microsoft-com:mac:vml" xmlns="" Requires="ma">
-            <p:blipFill>
-              <a:blip r:embed="rId3"/>
-              <a:stretch>
-                <a:fillRect/>
-              </a:stretch>
-            </p:blipFill>
-          </mc:Choice>
-          <mc:Fallback>
-            <p:blipFill>
-              <a:blip r:embed="rId4"/>
-              <a:stretch>
-                <a:fillRect/>
-              </a:stretch>
-            </p:blipFill>
-          </mc:Fallback>
-        </mc:AlternateContent>
+        <p:blipFill>
+          <a:blip r:embed="rId3"/>
+          <a:stretch>
+            <a:fillRect/>
+          </a:stretch>
+        </p:blipFill>
         <p:spPr>
           <a:xfrm>
             <a:off x="8201027" y="238127"/>
@@ -776,24 +728,12 @@
           </p:cNvPicPr>
           <p:nvPr userDrawn="1"/>
         </p:nvPicPr>
-        <mc:AlternateContent xmlns:mc="http://schemas.openxmlformats.org/markup-compatibility/2006">
-          <mc:Choice xmlns:ma="http://schemas.microsoft.com/office/mac/drawingml/2008/main" xmlns:mv="urn:schemas-microsoft-com:mac:vml" xmlns="" Requires="ma">
-            <p:blipFill>
-              <a:blip r:embed="rId9"/>
-              <a:stretch>
-                <a:fillRect/>
-              </a:stretch>
-            </p:blipFill>
-          </mc:Choice>
-          <mc:Fallback>
-            <p:blipFill>
-              <a:blip r:embed="rId10"/>
-              <a:stretch>
-                <a:fillRect/>
-              </a:stretch>
-            </p:blipFill>
-          </mc:Fallback>
-        </mc:AlternateContent>
+        <p:blipFill>
+          <a:blip r:embed="rId4"/>
+          <a:stretch>
+            <a:fillRect/>
+          </a:stretch>
+        </p:blipFill>
         <p:spPr>
           <a:xfrm>
             <a:off x="6997700" y="6462029"/>
@@ -812,24 +752,12 @@
           </p:cNvPicPr>
           <p:nvPr userDrawn="1"/>
         </p:nvPicPr>
-        <mc:AlternateContent xmlns:mc="http://schemas.openxmlformats.org/markup-compatibility/2006">
-          <mc:Choice xmlns:ma="http://schemas.microsoft.com/office/mac/drawingml/2008/main" xmlns:mv="urn:schemas-microsoft-com:mac:vml" xmlns="" Requires="ma">
-            <p:blipFill>
-              <a:blip r:embed="rId11"/>
-              <a:stretch>
-                <a:fillRect/>
-              </a:stretch>
-            </p:blipFill>
-          </mc:Choice>
-          <mc:Fallback>
-            <p:blipFill>
-              <a:blip r:embed="rId12"/>
-              <a:stretch>
-                <a:fillRect/>
-              </a:stretch>
-            </p:blipFill>
-          </mc:Fallback>
-        </mc:AlternateContent>
+        <p:blipFill>
+          <a:blip r:embed="rId5"/>
+          <a:stretch>
+            <a:fillRect/>
+          </a:stretch>
+        </p:blipFill>
         <p:spPr>
           <a:xfrm>
             <a:off x="292102" y="6138309"/>
@@ -1446,6 +1374,13 @@
   <p:clrMapOvr>
     <a:masterClrMapping/>
   </p:clrMapOvr>
+  <p:timing>
+    <p:tnLst>
+      <p:par>
+        <p:cTn id="1" dur="indefinite" restart="never" nodeType="tmRoot"/>
+      </p:par>
+    </p:tnLst>
+  </p:timing>
 </p:sld>
 </file>
 
@@ -1662,6 +1597,13 @@
   <p:clrMapOvr>
     <a:masterClrMapping/>
   </p:clrMapOvr>
+  <p:timing>
+    <p:tnLst>
+      <p:par>
+        <p:cTn id="1" dur="indefinite" restart="never" nodeType="tmRoot"/>
+      </p:par>
+    </p:tnLst>
+  </p:timing>
 </p:sld>
 </file>
 
@@ -1809,8 +1751,29 @@
                 <a:latin typeface="Arial" panose="020B0604020202020204" pitchFamily="34" charset="0"/>
                 <a:cs typeface="Arial" panose="020B0604020202020204" pitchFamily="34" charset="0"/>
               </a:rPr>
-              <a:t>Look at the branches you’ve visited</a:t>
-            </a:r>
+              <a:t>Look at the branches you’ve </a:t>
+            </a:r>
+            <a:r>
+              <a:rPr lang="en-US" sz="1400" dirty="0" smtClean="0">
+                <a:solidFill>
+                  <a:schemeClr val="bg2">
+                    <a:lumMod val="10000"/>
+                  </a:schemeClr>
+                </a:solidFill>
+                <a:latin typeface="Arial" panose="020B0604020202020204" pitchFamily="34" charset="0"/>
+                <a:cs typeface="Arial" panose="020B0604020202020204" pitchFamily="34" charset="0"/>
+              </a:rPr>
+              <a:t>visited [or all branches]</a:t>
+            </a:r>
+            <a:endParaRPr lang="en-US" sz="1400" dirty="0" smtClean="0">
+              <a:solidFill>
+                <a:schemeClr val="bg2">
+                  <a:lumMod val="10000"/>
+                </a:schemeClr>
+              </a:solidFill>
+              <a:latin typeface="Arial" panose="020B0604020202020204" pitchFamily="34" charset="0"/>
+              <a:cs typeface="Arial" panose="020B0604020202020204" pitchFamily="34" charset="0"/>
+            </a:endParaRPr>
           </a:p>
           <a:p>
             <a:pPr marL="342900" lvl="0" indent="-342900">
@@ -2468,6 +2431,13 @@
   <p:clrMapOvr>
     <a:masterClrMapping/>
   </p:clrMapOvr>
+  <p:timing>
+    <p:tnLst>
+      <p:par>
+        <p:cTn id="1" dur="indefinite" restart="never" nodeType="tmRoot"/>
+      </p:par>
+    </p:tnLst>
+  </p:timing>
 </p:sld>
 </file>
 
@@ -2637,8 +2607,29 @@
                 <a:latin typeface="Arial"/>
                 <a:cs typeface="Arial"/>
               </a:rPr>
-              <a:t>Deletes all your local changes</a:t>
-            </a:r>
+              <a:t>Deletes all your local </a:t>
+            </a:r>
+            <a:r>
+              <a:rPr lang="en-US" sz="1400" dirty="0" smtClean="0">
+                <a:solidFill>
+                  <a:schemeClr val="bg2">
+                    <a:lumMod val="10000"/>
+                  </a:schemeClr>
+                </a:solidFill>
+                <a:latin typeface="Arial"/>
+                <a:cs typeface="Arial"/>
+              </a:rPr>
+              <a:t>changes and revert to most recent commit state</a:t>
+            </a:r>
+            <a:endParaRPr lang="en-US" sz="1400" dirty="0" smtClean="0">
+              <a:solidFill>
+                <a:schemeClr val="bg2">
+                  <a:lumMod val="10000"/>
+                </a:schemeClr>
+              </a:solidFill>
+              <a:latin typeface="Arial"/>
+              <a:cs typeface="Arial"/>
+            </a:endParaRPr>
           </a:p>
           <a:p>
             <a:pPr marL="342900" lvl="0" indent="-342900">
@@ -2729,8 +2720,29 @@
                 <a:latin typeface="Arial"/>
                 <a:cs typeface="Arial"/>
               </a:rPr>
-              <a:t> to push with your changes (I can’t see why you would ever want to do this)</a:t>
-            </a:r>
+              <a:t> to push with your changes (I can’t see why you would ever want to do </a:t>
+            </a:r>
+            <a:r>
+              <a:rPr lang="en-US" sz="1400" dirty="0" smtClean="0">
+                <a:solidFill>
+                  <a:schemeClr val="bg2">
+                    <a:lumMod val="10000"/>
+                  </a:schemeClr>
+                </a:solidFill>
+                <a:latin typeface="Arial"/>
+                <a:cs typeface="Arial"/>
+              </a:rPr>
+              <a:t>this, unless you want to be mean to your teammates)</a:t>
+            </a:r>
+            <a:endParaRPr lang="en-US" sz="1400" dirty="0" smtClean="0">
+              <a:solidFill>
+                <a:schemeClr val="bg2">
+                  <a:lumMod val="10000"/>
+                </a:schemeClr>
+              </a:solidFill>
+              <a:latin typeface="Arial"/>
+              <a:cs typeface="Arial"/>
+            </a:endParaRPr>
           </a:p>
           <a:p>
             <a:pPr marL="342900" indent="-342900">
@@ -2934,7 +2946,31 @@
                 <a:latin typeface="Courier" pitchFamily="49" charset="0"/>
                 <a:cs typeface="Arial"/>
               </a:rPr>
-              <a:t> branch –d master</a:t>
+              <a:t> </a:t>
+            </a:r>
+            <a:r>
+              <a:rPr lang="en-US" sz="1400" dirty="0" smtClean="0">
+                <a:solidFill>
+                  <a:schemeClr val="bg2">
+                    <a:lumMod val="10000"/>
+                  </a:schemeClr>
+                </a:solidFill>
+                <a:latin typeface="Courier" pitchFamily="49" charset="0"/>
+                <a:cs typeface="Arial"/>
+              </a:rPr>
+              <a:t>branch </a:t>
+            </a:r>
+            <a:r>
+              <a:rPr lang="en-US" sz="1400" dirty="0" smtClean="0">
+                <a:solidFill>
+                  <a:schemeClr val="bg2">
+                    <a:lumMod val="10000"/>
+                  </a:schemeClr>
+                </a:solidFill>
+                <a:latin typeface="Courier" pitchFamily="49" charset="0"/>
+                <a:cs typeface="Arial"/>
+              </a:rPr>
+              <a:t>–d master</a:t>
             </a:r>
           </a:p>
           <a:p>
@@ -2956,7 +2992,19 @@
                 <a:latin typeface="Arial"/>
                 <a:cs typeface="Arial"/>
               </a:rPr>
-              <a:t>THIS IS PAST THE POINT OF NO RETURN</a:t>
+              <a:t>THIS IS PAST THE POINT OF </a:t>
+            </a:r>
+            <a:r>
+              <a:rPr lang="en-US" sz="1400" b="1" dirty="0" smtClean="0">
+                <a:solidFill>
+                  <a:schemeClr val="bg2">
+                    <a:lumMod val="10000"/>
+                  </a:schemeClr>
+                </a:solidFill>
+                <a:latin typeface="Arial"/>
+                <a:cs typeface="Arial"/>
+              </a:rPr>
+              <a:t>NO RETURN</a:t>
             </a:r>
           </a:p>
           <a:p>
@@ -3070,7 +3118,31 @@
                 <a:latin typeface="Arial"/>
                 <a:cs typeface="Arial"/>
               </a:rPr>
-              <a:t>I DO NOT ENDORSE THIS. DO THIS AT YOUR OWN RISK. I AM NOT RESPNOSIBLE FOR ANY DAMAGES CAUSED OF YOU DINKING AROUND WITH CHANGING YOUR MASTER BRANCH</a:t>
+              <a:t>I DO NOT ENDORSE THIS. DO THIS AT YOUR OWN RISK. I AM NOT RESPNOSIBLE FOR ANY DAMAGES CAUSED </a:t>
+            </a:r>
+            <a:r>
+              <a:rPr lang="en-US" sz="1400" b="1" dirty="0" smtClean="0">
+                <a:solidFill>
+                  <a:schemeClr val="bg2">
+                    <a:lumMod val="10000"/>
+                  </a:schemeClr>
+                </a:solidFill>
+                <a:latin typeface="Arial"/>
+                <a:cs typeface="Arial"/>
+              </a:rPr>
+              <a:t>BY </a:t>
+            </a:r>
+            <a:r>
+              <a:rPr lang="en-US" sz="1400" b="1" dirty="0" smtClean="0">
+                <a:solidFill>
+                  <a:schemeClr val="bg2">
+                    <a:lumMod val="10000"/>
+                  </a:schemeClr>
+                </a:solidFill>
+                <a:latin typeface="Arial"/>
+                <a:cs typeface="Arial"/>
+              </a:rPr>
+              <a:t>YOU DINKING AROUND WITH CHANGING YOUR MASTER BRANCH</a:t>
             </a:r>
           </a:p>
         </p:txBody>
@@ -3139,6 +3211,418 @@
   <p:clrMapOvr>
     <a:masterClrMapping/>
   </p:clrMapOvr>
+  <p:timing>
+    <p:tnLst>
+      <p:par>
+        <p:cTn id="1" dur="indefinite" restart="never" nodeType="tmRoot">
+          <p:childTnLst>
+            <p:seq concurrent="1" nextAc="seek">
+              <p:cTn id="2" dur="indefinite" nodeType="mainSeq">
+                <p:childTnLst>
+                  <p:par>
+                    <p:cTn id="3" fill="hold">
+                      <p:stCondLst>
+                        <p:cond delay="indefinite"/>
+                      </p:stCondLst>
+                      <p:childTnLst>
+                        <p:par>
+                          <p:cTn id="4" fill="hold">
+                            <p:stCondLst>
+                              <p:cond delay="0"/>
+                            </p:stCondLst>
+                            <p:childTnLst>
+                              <p:par>
+                                <p:cTn id="5" presetID="1" presetClass="entr" presetSubtype="0" fill="hold" nodeType="clickEffect">
+                                  <p:stCondLst>
+                                    <p:cond delay="0"/>
+                                  </p:stCondLst>
+                                  <p:childTnLst>
+                                    <p:set>
+                                      <p:cBhvr>
+                                        <p:cTn id="6" dur="1" fill="hold">
+                                          <p:stCondLst>
+                                            <p:cond delay="0"/>
+                                          </p:stCondLst>
+                                        </p:cTn>
+                                        <p:tgtEl>
+                                          <p:spTgt spid="5">
+                                            <p:txEl>
+                                              <p:pRg st="5" end="5"/>
+                                            </p:txEl>
+                                          </p:spTgt>
+                                        </p:tgtEl>
+                                        <p:attrNameLst>
+                                          <p:attrName>style.visibility</p:attrName>
+                                        </p:attrNameLst>
+                                      </p:cBhvr>
+                                      <p:to>
+                                        <p:strVal val="visible"/>
+                                      </p:to>
+                                    </p:set>
+                                  </p:childTnLst>
+                                </p:cTn>
+                              </p:par>
+                              <p:par>
+                                <p:cTn id="7" presetID="1" presetClass="entr" presetSubtype="0" fill="hold" nodeType="withEffect">
+                                  <p:stCondLst>
+                                    <p:cond delay="0"/>
+                                  </p:stCondLst>
+                                  <p:childTnLst>
+                                    <p:set>
+                                      <p:cBhvr>
+                                        <p:cTn id="8" dur="1" fill="hold">
+                                          <p:stCondLst>
+                                            <p:cond delay="0"/>
+                                          </p:stCondLst>
+                                        </p:cTn>
+                                        <p:tgtEl>
+                                          <p:spTgt spid="5">
+                                            <p:txEl>
+                                              <p:pRg st="6" end="6"/>
+                                            </p:txEl>
+                                          </p:spTgt>
+                                        </p:tgtEl>
+                                        <p:attrNameLst>
+                                          <p:attrName>style.visibility</p:attrName>
+                                        </p:attrNameLst>
+                                      </p:cBhvr>
+                                      <p:to>
+                                        <p:strVal val="visible"/>
+                                      </p:to>
+                                    </p:set>
+                                  </p:childTnLst>
+                                </p:cTn>
+                              </p:par>
+                            </p:childTnLst>
+                          </p:cTn>
+                        </p:par>
+                      </p:childTnLst>
+                    </p:cTn>
+                  </p:par>
+                  <p:par>
+                    <p:cTn id="9" fill="hold">
+                      <p:stCondLst>
+                        <p:cond delay="indefinite"/>
+                      </p:stCondLst>
+                      <p:childTnLst>
+                        <p:par>
+                          <p:cTn id="10" fill="hold">
+                            <p:stCondLst>
+                              <p:cond delay="0"/>
+                            </p:stCondLst>
+                            <p:childTnLst>
+                              <p:par>
+                                <p:cTn id="11" presetID="1" presetClass="entr" presetSubtype="0" fill="hold" nodeType="clickEffect">
+                                  <p:stCondLst>
+                                    <p:cond delay="0"/>
+                                  </p:stCondLst>
+                                  <p:childTnLst>
+                                    <p:set>
+                                      <p:cBhvr>
+                                        <p:cTn id="12" dur="1" fill="hold">
+                                          <p:stCondLst>
+                                            <p:cond delay="0"/>
+                                          </p:stCondLst>
+                                        </p:cTn>
+                                        <p:tgtEl>
+                                          <p:spTgt spid="5">
+                                            <p:txEl>
+                                              <p:pRg st="7" end="7"/>
+                                            </p:txEl>
+                                          </p:spTgt>
+                                        </p:tgtEl>
+                                        <p:attrNameLst>
+                                          <p:attrName>style.visibility</p:attrName>
+                                        </p:attrNameLst>
+                                      </p:cBhvr>
+                                      <p:to>
+                                        <p:strVal val="visible"/>
+                                      </p:to>
+                                    </p:set>
+                                  </p:childTnLst>
+                                </p:cTn>
+                              </p:par>
+                              <p:par>
+                                <p:cTn id="13" presetID="1" presetClass="entr" presetSubtype="0" fill="hold" nodeType="withEffect">
+                                  <p:stCondLst>
+                                    <p:cond delay="0"/>
+                                  </p:stCondLst>
+                                  <p:childTnLst>
+                                    <p:set>
+                                      <p:cBhvr>
+                                        <p:cTn id="14" dur="1" fill="hold">
+                                          <p:stCondLst>
+                                            <p:cond delay="0"/>
+                                          </p:stCondLst>
+                                        </p:cTn>
+                                        <p:tgtEl>
+                                          <p:spTgt spid="5">
+                                            <p:txEl>
+                                              <p:pRg st="8" end="8"/>
+                                            </p:txEl>
+                                          </p:spTgt>
+                                        </p:tgtEl>
+                                        <p:attrNameLst>
+                                          <p:attrName>style.visibility</p:attrName>
+                                        </p:attrNameLst>
+                                      </p:cBhvr>
+                                      <p:to>
+                                        <p:strVal val="visible"/>
+                                      </p:to>
+                                    </p:set>
+                                  </p:childTnLst>
+                                </p:cTn>
+                              </p:par>
+                              <p:par>
+                                <p:cTn id="15" presetID="1" presetClass="entr" presetSubtype="0" fill="hold" nodeType="withEffect">
+                                  <p:stCondLst>
+                                    <p:cond delay="0"/>
+                                  </p:stCondLst>
+                                  <p:childTnLst>
+                                    <p:set>
+                                      <p:cBhvr>
+                                        <p:cTn id="16" dur="1" fill="hold">
+                                          <p:stCondLst>
+                                            <p:cond delay="0"/>
+                                          </p:stCondLst>
+                                        </p:cTn>
+                                        <p:tgtEl>
+                                          <p:spTgt spid="5">
+                                            <p:txEl>
+                                              <p:pRg st="9" end="9"/>
+                                            </p:txEl>
+                                          </p:spTgt>
+                                        </p:tgtEl>
+                                        <p:attrNameLst>
+                                          <p:attrName>style.visibility</p:attrName>
+                                        </p:attrNameLst>
+                                      </p:cBhvr>
+                                      <p:to>
+                                        <p:strVal val="visible"/>
+                                      </p:to>
+                                    </p:set>
+                                  </p:childTnLst>
+                                </p:cTn>
+                              </p:par>
+                            </p:childTnLst>
+                          </p:cTn>
+                        </p:par>
+                      </p:childTnLst>
+                    </p:cTn>
+                  </p:par>
+                  <p:par>
+                    <p:cTn id="17" fill="hold">
+                      <p:stCondLst>
+                        <p:cond delay="indefinite"/>
+                      </p:stCondLst>
+                      <p:childTnLst>
+                        <p:par>
+                          <p:cTn id="18" fill="hold">
+                            <p:stCondLst>
+                              <p:cond delay="0"/>
+                            </p:stCondLst>
+                            <p:childTnLst>
+                              <p:par>
+                                <p:cTn id="19" presetID="1" presetClass="entr" presetSubtype="0" fill="hold" nodeType="clickEffect">
+                                  <p:stCondLst>
+                                    <p:cond delay="0"/>
+                                  </p:stCondLst>
+                                  <p:childTnLst>
+                                    <p:set>
+                                      <p:cBhvr>
+                                        <p:cTn id="20" dur="1" fill="hold">
+                                          <p:stCondLst>
+                                            <p:cond delay="0"/>
+                                          </p:stCondLst>
+                                        </p:cTn>
+                                        <p:tgtEl>
+                                          <p:spTgt spid="5">
+                                            <p:txEl>
+                                              <p:pRg st="10" end="10"/>
+                                            </p:txEl>
+                                          </p:spTgt>
+                                        </p:tgtEl>
+                                        <p:attrNameLst>
+                                          <p:attrName>style.visibility</p:attrName>
+                                        </p:attrNameLst>
+                                      </p:cBhvr>
+                                      <p:to>
+                                        <p:strVal val="visible"/>
+                                      </p:to>
+                                    </p:set>
+                                  </p:childTnLst>
+                                </p:cTn>
+                              </p:par>
+                              <p:par>
+                                <p:cTn id="21" presetID="1" presetClass="entr" presetSubtype="0" fill="hold" nodeType="withEffect">
+                                  <p:stCondLst>
+                                    <p:cond delay="0"/>
+                                  </p:stCondLst>
+                                  <p:childTnLst>
+                                    <p:set>
+                                      <p:cBhvr>
+                                        <p:cTn id="22" dur="1" fill="hold">
+                                          <p:stCondLst>
+                                            <p:cond delay="0"/>
+                                          </p:stCondLst>
+                                        </p:cTn>
+                                        <p:tgtEl>
+                                          <p:spTgt spid="5">
+                                            <p:txEl>
+                                              <p:pRg st="11" end="11"/>
+                                            </p:txEl>
+                                          </p:spTgt>
+                                        </p:tgtEl>
+                                        <p:attrNameLst>
+                                          <p:attrName>style.visibility</p:attrName>
+                                        </p:attrNameLst>
+                                      </p:cBhvr>
+                                      <p:to>
+                                        <p:strVal val="visible"/>
+                                      </p:to>
+                                    </p:set>
+                                  </p:childTnLst>
+                                </p:cTn>
+                              </p:par>
+                            </p:childTnLst>
+                          </p:cTn>
+                        </p:par>
+                      </p:childTnLst>
+                    </p:cTn>
+                  </p:par>
+                  <p:par>
+                    <p:cTn id="23" fill="hold">
+                      <p:stCondLst>
+                        <p:cond delay="indefinite"/>
+                      </p:stCondLst>
+                      <p:childTnLst>
+                        <p:par>
+                          <p:cTn id="24" fill="hold">
+                            <p:stCondLst>
+                              <p:cond delay="0"/>
+                            </p:stCondLst>
+                            <p:childTnLst>
+                              <p:par>
+                                <p:cTn id="25" presetID="1" presetClass="entr" presetSubtype="0" fill="hold" nodeType="clickEffect">
+                                  <p:stCondLst>
+                                    <p:cond delay="0"/>
+                                  </p:stCondLst>
+                                  <p:childTnLst>
+                                    <p:set>
+                                      <p:cBhvr>
+                                        <p:cTn id="26" dur="1" fill="hold">
+                                          <p:stCondLst>
+                                            <p:cond delay="0"/>
+                                          </p:stCondLst>
+                                        </p:cTn>
+                                        <p:tgtEl>
+                                          <p:spTgt spid="5">
+                                            <p:txEl>
+                                              <p:pRg st="12" end="12"/>
+                                            </p:txEl>
+                                          </p:spTgt>
+                                        </p:tgtEl>
+                                        <p:attrNameLst>
+                                          <p:attrName>style.visibility</p:attrName>
+                                        </p:attrNameLst>
+                                      </p:cBhvr>
+                                      <p:to>
+                                        <p:strVal val="visible"/>
+                                      </p:to>
+                                    </p:set>
+                                  </p:childTnLst>
+                                </p:cTn>
+                              </p:par>
+                              <p:par>
+                                <p:cTn id="27" presetID="1" presetClass="entr" presetSubtype="0" fill="hold" nodeType="withEffect">
+                                  <p:stCondLst>
+                                    <p:cond delay="0"/>
+                                  </p:stCondLst>
+                                  <p:childTnLst>
+                                    <p:set>
+                                      <p:cBhvr>
+                                        <p:cTn id="28" dur="1" fill="hold">
+                                          <p:stCondLst>
+                                            <p:cond delay="0"/>
+                                          </p:stCondLst>
+                                        </p:cTn>
+                                        <p:tgtEl>
+                                          <p:spTgt spid="5">
+                                            <p:txEl>
+                                              <p:pRg st="13" end="13"/>
+                                            </p:txEl>
+                                          </p:spTgt>
+                                        </p:tgtEl>
+                                        <p:attrNameLst>
+                                          <p:attrName>style.visibility</p:attrName>
+                                        </p:attrNameLst>
+                                      </p:cBhvr>
+                                      <p:to>
+                                        <p:strVal val="visible"/>
+                                      </p:to>
+                                    </p:set>
+                                  </p:childTnLst>
+                                </p:cTn>
+                              </p:par>
+                              <p:par>
+                                <p:cTn id="29" presetID="1" presetClass="entr" presetSubtype="0" fill="hold" nodeType="withEffect">
+                                  <p:stCondLst>
+                                    <p:cond delay="0"/>
+                                  </p:stCondLst>
+                                  <p:childTnLst>
+                                    <p:set>
+                                      <p:cBhvr>
+                                        <p:cTn id="30" dur="1" fill="hold">
+                                          <p:stCondLst>
+                                            <p:cond delay="0"/>
+                                          </p:stCondLst>
+                                        </p:cTn>
+                                        <p:tgtEl>
+                                          <p:spTgt spid="5">
+                                            <p:txEl>
+                                              <p:pRg st="14" end="14"/>
+                                            </p:txEl>
+                                          </p:spTgt>
+                                        </p:tgtEl>
+                                        <p:attrNameLst>
+                                          <p:attrName>style.visibility</p:attrName>
+                                        </p:attrNameLst>
+                                      </p:cBhvr>
+                                      <p:to>
+                                        <p:strVal val="visible"/>
+                                      </p:to>
+                                    </p:set>
+                                  </p:childTnLst>
+                                </p:cTn>
+                              </p:par>
+                            </p:childTnLst>
+                          </p:cTn>
+                        </p:par>
+                      </p:childTnLst>
+                    </p:cTn>
+                  </p:par>
+                </p:childTnLst>
+              </p:cTn>
+              <p:prevCondLst>
+                <p:cond evt="onPrev" delay="0">
+                  <p:tgtEl>
+                    <p:sldTgt/>
+                  </p:tgtEl>
+                </p:cond>
+              </p:prevCondLst>
+              <p:nextCondLst>
+                <p:cond evt="onNext" delay="0">
+                  <p:tgtEl>
+                    <p:sldTgt/>
+                  </p:tgtEl>
+                </p:cond>
+              </p:nextCondLst>
+            </p:seq>
+          </p:childTnLst>
+        </p:cTn>
+      </p:par>
+    </p:tnLst>
+  </p:timing>
 </p:sld>
 </file>
 
@@ -3374,6 +3858,13 @@
   <p:clrMapOvr>
     <a:masterClrMapping/>
   </p:clrMapOvr>
+  <p:timing>
+    <p:tnLst>
+      <p:par>
+        <p:cTn id="1" dur="indefinite" restart="never" nodeType="tmRoot"/>
+      </p:par>
+    </p:tnLst>
+  </p:timing>
 </p:sld>
 </file>
 
@@ -3648,6 +4139,13 @@
   <p:clrMapOvr>
     <a:masterClrMapping/>
   </p:clrMapOvr>
+  <p:timing>
+    <p:tnLst>
+      <p:par>
+        <p:cTn id="1" dur="indefinite" restart="never" nodeType="tmRoot"/>
+      </p:par>
+    </p:tnLst>
+  </p:timing>
 </p:sld>
 </file>
 
@@ -4025,7 +4523,17 @@
                 <a:latin typeface="Arial"/>
                 <a:cs typeface="Arial"/>
               </a:rPr>
-              <a:t>“Let’s use </a:t>
+              <a:t>“Screw Blackboard, let’s </a:t>
+            </a:r>
+            <a:r>
+              <a:rPr lang="en-US" i="1" dirty="0" smtClean="0">
+                <a:solidFill>
+                  <a:srgbClr val="323232"/>
+                </a:solidFill>
+                <a:latin typeface="Arial"/>
+                <a:cs typeface="Arial"/>
+              </a:rPr>
+              <a:t>use </a:t>
             </a:r>
             <a:r>
               <a:rPr lang="en-US" i="1" dirty="0" err="1" smtClean="0">
@@ -4198,6 +4706,421 @@
   <p:clrMapOvr>
     <a:masterClrMapping/>
   </p:clrMapOvr>
+  <p:timing>
+    <p:tnLst>
+      <p:par>
+        <p:cTn id="1" dur="indefinite" restart="never" nodeType="tmRoot">
+          <p:childTnLst>
+            <p:seq concurrent="1" nextAc="seek">
+              <p:cTn id="2" dur="indefinite" nodeType="mainSeq">
+                <p:childTnLst>
+                  <p:par>
+                    <p:cTn id="3" fill="hold">
+                      <p:stCondLst>
+                        <p:cond delay="indefinite"/>
+                      </p:stCondLst>
+                      <p:childTnLst>
+                        <p:par>
+                          <p:cTn id="4" fill="hold">
+                            <p:stCondLst>
+                              <p:cond delay="0"/>
+                            </p:stCondLst>
+                            <p:childTnLst>
+                              <p:par>
+                                <p:cTn id="5" presetID="1" presetClass="entr" presetSubtype="0" fill="hold" grpId="0" nodeType="clickEffect">
+                                  <p:stCondLst>
+                                    <p:cond delay="0"/>
+                                  </p:stCondLst>
+                                  <p:childTnLst>
+                                    <p:set>
+                                      <p:cBhvr>
+                                        <p:cTn id="6" dur="1" fill="hold">
+                                          <p:stCondLst>
+                                            <p:cond delay="0"/>
+                                          </p:stCondLst>
+                                        </p:cTn>
+                                        <p:tgtEl>
+                                          <p:spTgt spid="5">
+                                            <p:txEl>
+                                              <p:pRg st="2" end="2"/>
+                                            </p:txEl>
+                                          </p:spTgt>
+                                        </p:tgtEl>
+                                        <p:attrNameLst>
+                                          <p:attrName>style.visibility</p:attrName>
+                                        </p:attrNameLst>
+                                      </p:cBhvr>
+                                      <p:to>
+                                        <p:strVal val="visible"/>
+                                      </p:to>
+                                    </p:set>
+                                  </p:childTnLst>
+                                </p:cTn>
+                              </p:par>
+                              <p:par>
+                                <p:cTn id="7" presetID="1" presetClass="entr" presetSubtype="0" fill="hold" grpId="0" nodeType="withEffect">
+                                  <p:stCondLst>
+                                    <p:cond delay="0"/>
+                                  </p:stCondLst>
+                                  <p:childTnLst>
+                                    <p:set>
+                                      <p:cBhvr>
+                                        <p:cTn id="8" dur="1" fill="hold">
+                                          <p:stCondLst>
+                                            <p:cond delay="0"/>
+                                          </p:stCondLst>
+                                        </p:cTn>
+                                        <p:tgtEl>
+                                          <p:spTgt spid="5">
+                                            <p:txEl>
+                                              <p:pRg st="3" end="3"/>
+                                            </p:txEl>
+                                          </p:spTgt>
+                                        </p:tgtEl>
+                                        <p:attrNameLst>
+                                          <p:attrName>style.visibility</p:attrName>
+                                        </p:attrNameLst>
+                                      </p:cBhvr>
+                                      <p:to>
+                                        <p:strVal val="visible"/>
+                                      </p:to>
+                                    </p:set>
+                                  </p:childTnLst>
+                                </p:cTn>
+                              </p:par>
+                              <p:par>
+                                <p:cTn id="9" presetID="1" presetClass="entr" presetSubtype="0" fill="hold" grpId="0" nodeType="withEffect">
+                                  <p:stCondLst>
+                                    <p:cond delay="0"/>
+                                  </p:stCondLst>
+                                  <p:childTnLst>
+                                    <p:set>
+                                      <p:cBhvr>
+                                        <p:cTn id="10" dur="1" fill="hold">
+                                          <p:stCondLst>
+                                            <p:cond delay="0"/>
+                                          </p:stCondLst>
+                                        </p:cTn>
+                                        <p:tgtEl>
+                                          <p:spTgt spid="5">
+                                            <p:txEl>
+                                              <p:pRg st="4" end="4"/>
+                                            </p:txEl>
+                                          </p:spTgt>
+                                        </p:tgtEl>
+                                        <p:attrNameLst>
+                                          <p:attrName>style.visibility</p:attrName>
+                                        </p:attrNameLst>
+                                      </p:cBhvr>
+                                      <p:to>
+                                        <p:strVal val="visible"/>
+                                      </p:to>
+                                    </p:set>
+                                  </p:childTnLst>
+                                </p:cTn>
+                              </p:par>
+                            </p:childTnLst>
+                          </p:cTn>
+                        </p:par>
+                      </p:childTnLst>
+                    </p:cTn>
+                  </p:par>
+                  <p:par>
+                    <p:cTn id="11" fill="hold">
+                      <p:stCondLst>
+                        <p:cond delay="indefinite"/>
+                      </p:stCondLst>
+                      <p:childTnLst>
+                        <p:par>
+                          <p:cTn id="12" fill="hold">
+                            <p:stCondLst>
+                              <p:cond delay="0"/>
+                            </p:stCondLst>
+                            <p:childTnLst>
+                              <p:par>
+                                <p:cTn id="13" presetID="1" presetClass="entr" presetSubtype="0" fill="hold" grpId="0" nodeType="clickEffect">
+                                  <p:stCondLst>
+                                    <p:cond delay="0"/>
+                                  </p:stCondLst>
+                                  <p:childTnLst>
+                                    <p:set>
+                                      <p:cBhvr>
+                                        <p:cTn id="14" dur="1" fill="hold">
+                                          <p:stCondLst>
+                                            <p:cond delay="0"/>
+                                          </p:stCondLst>
+                                        </p:cTn>
+                                        <p:tgtEl>
+                                          <p:spTgt spid="5">
+                                            <p:txEl>
+                                              <p:pRg st="6" end="6"/>
+                                            </p:txEl>
+                                          </p:spTgt>
+                                        </p:tgtEl>
+                                        <p:attrNameLst>
+                                          <p:attrName>style.visibility</p:attrName>
+                                        </p:attrNameLst>
+                                      </p:cBhvr>
+                                      <p:to>
+                                        <p:strVal val="visible"/>
+                                      </p:to>
+                                    </p:set>
+                                  </p:childTnLst>
+                                </p:cTn>
+                              </p:par>
+                              <p:par>
+                                <p:cTn id="15" presetID="1" presetClass="entr" presetSubtype="0" fill="hold" grpId="0" nodeType="withEffect">
+                                  <p:stCondLst>
+                                    <p:cond delay="0"/>
+                                  </p:stCondLst>
+                                  <p:childTnLst>
+                                    <p:set>
+                                      <p:cBhvr>
+                                        <p:cTn id="16" dur="1" fill="hold">
+                                          <p:stCondLst>
+                                            <p:cond delay="0"/>
+                                          </p:stCondLst>
+                                        </p:cTn>
+                                        <p:tgtEl>
+                                          <p:spTgt spid="5">
+                                            <p:txEl>
+                                              <p:pRg st="7" end="7"/>
+                                            </p:txEl>
+                                          </p:spTgt>
+                                        </p:tgtEl>
+                                        <p:attrNameLst>
+                                          <p:attrName>style.visibility</p:attrName>
+                                        </p:attrNameLst>
+                                      </p:cBhvr>
+                                      <p:to>
+                                        <p:strVal val="visible"/>
+                                      </p:to>
+                                    </p:set>
+                                  </p:childTnLst>
+                                </p:cTn>
+                              </p:par>
+                              <p:par>
+                                <p:cTn id="17" presetID="1" presetClass="entr" presetSubtype="0" fill="hold" grpId="0" nodeType="withEffect">
+                                  <p:stCondLst>
+                                    <p:cond delay="0"/>
+                                  </p:stCondLst>
+                                  <p:childTnLst>
+                                    <p:set>
+                                      <p:cBhvr>
+                                        <p:cTn id="18" dur="1" fill="hold">
+                                          <p:stCondLst>
+                                            <p:cond delay="0"/>
+                                          </p:stCondLst>
+                                        </p:cTn>
+                                        <p:tgtEl>
+                                          <p:spTgt spid="5">
+                                            <p:txEl>
+                                              <p:pRg st="8" end="8"/>
+                                            </p:txEl>
+                                          </p:spTgt>
+                                        </p:tgtEl>
+                                        <p:attrNameLst>
+                                          <p:attrName>style.visibility</p:attrName>
+                                        </p:attrNameLst>
+                                      </p:cBhvr>
+                                      <p:to>
+                                        <p:strVal val="visible"/>
+                                      </p:to>
+                                    </p:set>
+                                  </p:childTnLst>
+                                </p:cTn>
+                              </p:par>
+                            </p:childTnLst>
+                          </p:cTn>
+                        </p:par>
+                      </p:childTnLst>
+                    </p:cTn>
+                  </p:par>
+                  <p:par>
+                    <p:cTn id="19" fill="hold">
+                      <p:stCondLst>
+                        <p:cond delay="indefinite"/>
+                      </p:stCondLst>
+                      <p:childTnLst>
+                        <p:par>
+                          <p:cTn id="20" fill="hold">
+                            <p:stCondLst>
+                              <p:cond delay="0"/>
+                            </p:stCondLst>
+                            <p:childTnLst>
+                              <p:par>
+                                <p:cTn id="21" presetID="1" presetClass="entr" presetSubtype="0" fill="hold" grpId="0" nodeType="clickEffect">
+                                  <p:stCondLst>
+                                    <p:cond delay="0"/>
+                                  </p:stCondLst>
+                                  <p:childTnLst>
+                                    <p:set>
+                                      <p:cBhvr>
+                                        <p:cTn id="22" dur="1" fill="hold">
+                                          <p:stCondLst>
+                                            <p:cond delay="0"/>
+                                          </p:stCondLst>
+                                        </p:cTn>
+                                        <p:tgtEl>
+                                          <p:spTgt spid="5">
+                                            <p:txEl>
+                                              <p:pRg st="10" end="10"/>
+                                            </p:txEl>
+                                          </p:spTgt>
+                                        </p:tgtEl>
+                                        <p:attrNameLst>
+                                          <p:attrName>style.visibility</p:attrName>
+                                        </p:attrNameLst>
+                                      </p:cBhvr>
+                                      <p:to>
+                                        <p:strVal val="visible"/>
+                                      </p:to>
+                                    </p:set>
+                                  </p:childTnLst>
+                                </p:cTn>
+                              </p:par>
+                              <p:par>
+                                <p:cTn id="23" presetID="1" presetClass="entr" presetSubtype="0" fill="hold" grpId="0" nodeType="withEffect">
+                                  <p:stCondLst>
+                                    <p:cond delay="0"/>
+                                  </p:stCondLst>
+                                  <p:childTnLst>
+                                    <p:set>
+                                      <p:cBhvr>
+                                        <p:cTn id="24" dur="1" fill="hold">
+                                          <p:stCondLst>
+                                            <p:cond delay="0"/>
+                                          </p:stCondLst>
+                                        </p:cTn>
+                                        <p:tgtEl>
+                                          <p:spTgt spid="5">
+                                            <p:txEl>
+                                              <p:pRg st="11" end="11"/>
+                                            </p:txEl>
+                                          </p:spTgt>
+                                        </p:tgtEl>
+                                        <p:attrNameLst>
+                                          <p:attrName>style.visibility</p:attrName>
+                                        </p:attrNameLst>
+                                      </p:cBhvr>
+                                      <p:to>
+                                        <p:strVal val="visible"/>
+                                      </p:to>
+                                    </p:set>
+                                  </p:childTnLst>
+                                </p:cTn>
+                              </p:par>
+                            </p:childTnLst>
+                          </p:cTn>
+                        </p:par>
+                      </p:childTnLst>
+                    </p:cTn>
+                  </p:par>
+                  <p:par>
+                    <p:cTn id="25" fill="hold">
+                      <p:stCondLst>
+                        <p:cond delay="indefinite"/>
+                      </p:stCondLst>
+                      <p:childTnLst>
+                        <p:par>
+                          <p:cTn id="26" fill="hold">
+                            <p:stCondLst>
+                              <p:cond delay="0"/>
+                            </p:stCondLst>
+                            <p:childTnLst>
+                              <p:par>
+                                <p:cTn id="27" presetID="1" presetClass="entr" presetSubtype="0" fill="hold" grpId="0" nodeType="clickEffect">
+                                  <p:stCondLst>
+                                    <p:cond delay="0"/>
+                                  </p:stCondLst>
+                                  <p:childTnLst>
+                                    <p:set>
+                                      <p:cBhvr>
+                                        <p:cTn id="28" dur="1" fill="hold">
+                                          <p:stCondLst>
+                                            <p:cond delay="0"/>
+                                          </p:stCondLst>
+                                        </p:cTn>
+                                        <p:tgtEl>
+                                          <p:spTgt spid="5">
+                                            <p:txEl>
+                                              <p:pRg st="13" end="13"/>
+                                            </p:txEl>
+                                          </p:spTgt>
+                                        </p:tgtEl>
+                                        <p:attrNameLst>
+                                          <p:attrName>style.visibility</p:attrName>
+                                        </p:attrNameLst>
+                                      </p:cBhvr>
+                                      <p:to>
+                                        <p:strVal val="visible"/>
+                                      </p:to>
+                                    </p:set>
+                                  </p:childTnLst>
+                                </p:cTn>
+                              </p:par>
+                              <p:par>
+                                <p:cTn id="29" presetID="1" presetClass="entr" presetSubtype="0" fill="hold" grpId="0" nodeType="withEffect">
+                                  <p:stCondLst>
+                                    <p:cond delay="0"/>
+                                  </p:stCondLst>
+                                  <p:childTnLst>
+                                    <p:set>
+                                      <p:cBhvr>
+                                        <p:cTn id="30" dur="1" fill="hold">
+                                          <p:stCondLst>
+                                            <p:cond delay="0"/>
+                                          </p:stCondLst>
+                                        </p:cTn>
+                                        <p:tgtEl>
+                                          <p:spTgt spid="5">
+                                            <p:txEl>
+                                              <p:pRg st="14" end="14"/>
+                                            </p:txEl>
+                                          </p:spTgt>
+                                        </p:tgtEl>
+                                        <p:attrNameLst>
+                                          <p:attrName>style.visibility</p:attrName>
+                                        </p:attrNameLst>
+                                      </p:cBhvr>
+                                      <p:to>
+                                        <p:strVal val="visible"/>
+                                      </p:to>
+                                    </p:set>
+                                  </p:childTnLst>
+                                </p:cTn>
+                              </p:par>
+                            </p:childTnLst>
+                          </p:cTn>
+                        </p:par>
+                      </p:childTnLst>
+                    </p:cTn>
+                  </p:par>
+                </p:childTnLst>
+              </p:cTn>
+              <p:prevCondLst>
+                <p:cond evt="onPrev" delay="0">
+                  <p:tgtEl>
+                    <p:sldTgt/>
+                  </p:tgtEl>
+                </p:cond>
+              </p:prevCondLst>
+              <p:nextCondLst>
+                <p:cond evt="onNext" delay="0">
+                  <p:tgtEl>
+                    <p:sldTgt/>
+                  </p:tgtEl>
+                </p:cond>
+              </p:nextCondLst>
+            </p:seq>
+          </p:childTnLst>
+        </p:cTn>
+      </p:par>
+    </p:tnLst>
+    <p:bldLst>
+      <p:bldP spid="5" grpId="0" uiExpand="1" build="p"/>
+    </p:bldLst>
+  </p:timing>
 </p:sld>
 </file>
 
@@ -4624,6 +5547,13 @@
   <p:clrMapOvr>
     <a:masterClrMapping/>
   </p:clrMapOvr>
+  <p:timing>
+    <p:tnLst>
+      <p:par>
+        <p:cTn id="1" dur="indefinite" restart="never" nodeType="tmRoot"/>
+      </p:par>
+    </p:tnLst>
+  </p:timing>
 </p:sld>
 </file>
 
@@ -4927,6 +5857,13 @@
   <p:clrMapOvr>
     <a:masterClrMapping/>
   </p:clrMapOvr>
+  <p:timing>
+    <p:tnLst>
+      <p:par>
+        <p:cTn id="1" dur="indefinite" restart="never" nodeType="tmRoot"/>
+      </p:par>
+    </p:tnLst>
+  </p:timing>
 </p:sld>
 </file>
 
@@ -5583,6 +6520,13 @@
   <p:clrMapOvr>
     <a:masterClrMapping/>
   </p:clrMapOvr>
+  <p:timing>
+    <p:tnLst>
+      <p:par>
+        <p:cTn id="1" dur="indefinite" restart="never" nodeType="tmRoot"/>
+      </p:par>
+    </p:tnLst>
+  </p:timing>
 </p:sld>
 </file>
 
@@ -5799,6 +6743,13 @@
   <p:clrMapOvr>
     <a:masterClrMapping/>
   </p:clrMapOvr>
+  <p:timing>
+    <p:tnLst>
+      <p:par>
+        <p:cTn id="1" dur="indefinite" restart="never" nodeType="tmRoot"/>
+      </p:par>
+    </p:tnLst>
+  </p:timing>
 </p:sld>
 </file>
 
@@ -6015,6 +6966,13 @@
   <p:clrMapOvr>
     <a:masterClrMapping/>
   </p:clrMapOvr>
+  <p:timing>
+    <p:tnLst>
+      <p:par>
+        <p:cTn id="1" dur="indefinite" restart="never" nodeType="tmRoot"/>
+      </p:par>
+    </p:tnLst>
+  </p:timing>
 </p:sld>
 </file>
 
@@ -6217,19 +7175,7 @@
                 <a:latin typeface="Arial"/>
                 <a:cs typeface="Arial"/>
               </a:rPr>
-              <a:t> to stop tracking the designated file (also removes it locally</a:t>
-            </a:r>
-            <a:r>
-              <a:rPr lang="en-US" sz="1400" dirty="0" smtClean="0">
-                <a:solidFill>
-                  <a:schemeClr val="bg2">
-                    <a:lumMod val="10000"/>
-                  </a:schemeClr>
-                </a:solidFill>
-                <a:latin typeface="Arial"/>
-                <a:cs typeface="Arial"/>
-              </a:rPr>
-              <a:t>)</a:t>
+              <a:t> to stop tracking the designated file (also removes it locally)</a:t>
             </a:r>
           </a:p>
           <a:p>
@@ -6251,20 +7197,16 @@
                 <a:latin typeface="Arial"/>
                 <a:cs typeface="Arial"/>
               </a:rPr>
-              <a:t>Tracks the change </a:t>
-            </a:r>
-            <a:r>
-              <a:rPr lang="en-US" sz="1400" smtClean="0">
-                <a:solidFill>
-                  <a:schemeClr val="bg2">
-                    <a:lumMod val="10000"/>
-                  </a:schemeClr>
-                </a:solidFill>
-                <a:latin typeface="Arial"/>
-                <a:cs typeface="Arial"/>
-              </a:rPr>
-              <a:t>of removing the file</a:t>
-            </a:r>
+              <a:t>Tracks the change of removing the file</a:t>
+            </a:r>
+          </a:p>
+          <a:p>
+            <a:pPr lvl="0">
+              <a:spcBef>
+                <a:spcPct val="0"/>
+              </a:spcBef>
+              <a:defRPr/>
+            </a:pPr>
             <a:endParaRPr lang="en-US" sz="1400" dirty="0" smtClean="0">
               <a:solidFill>
                 <a:schemeClr val="bg2">
@@ -6276,6 +7218,122 @@
             </a:endParaRPr>
           </a:p>
           <a:p>
+            <a:pPr marL="342900" lvl="0" indent="-342900">
+              <a:spcBef>
+                <a:spcPct val="0"/>
+              </a:spcBef>
+              <a:buFont typeface="Arial" panose="020B0604020202020204" pitchFamily="34" charset="0"/>
+              <a:buChar char="•"/>
+              <a:defRPr/>
+            </a:pPr>
+            <a:r>
+              <a:rPr lang="en-US" sz="1400" dirty="0" smtClean="0">
+                <a:solidFill>
+                  <a:schemeClr val="bg2">
+                    <a:lumMod val="10000"/>
+                  </a:schemeClr>
+                </a:solidFill>
+                <a:latin typeface="Courier" pitchFamily="49" charset="0"/>
+                <a:cs typeface="Arial"/>
+              </a:rPr>
+              <a:t>$</a:t>
+            </a:r>
+            <a:r>
+              <a:rPr lang="en-US" sz="1400" dirty="0" err="1" smtClean="0">
+                <a:solidFill>
+                  <a:schemeClr val="bg2">
+                    <a:lumMod val="10000"/>
+                  </a:schemeClr>
+                </a:solidFill>
+                <a:latin typeface="Courier" pitchFamily="49" charset="0"/>
+                <a:cs typeface="Arial"/>
+              </a:rPr>
+              <a:t>git</a:t>
+            </a:r>
+            <a:r>
+              <a:rPr lang="en-US" sz="1400" dirty="0" smtClean="0">
+                <a:solidFill>
+                  <a:schemeClr val="bg2">
+                    <a:lumMod val="10000"/>
+                  </a:schemeClr>
+                </a:solidFill>
+                <a:latin typeface="Courier" pitchFamily="49" charset="0"/>
+                <a:cs typeface="Arial"/>
+              </a:rPr>
+              <a:t> log [--</a:t>
+            </a:r>
+            <a:r>
+              <a:rPr lang="en-US" sz="1400" dirty="0" err="1" smtClean="0">
+                <a:solidFill>
+                  <a:schemeClr val="bg2">
+                    <a:lumMod val="10000"/>
+                  </a:schemeClr>
+                </a:solidFill>
+                <a:latin typeface="Courier" pitchFamily="49" charset="0"/>
+                <a:cs typeface="Arial"/>
+              </a:rPr>
+              <a:t>oneline</a:t>
+            </a:r>
+            <a:r>
+              <a:rPr lang="en-US" sz="1400" dirty="0" smtClean="0">
+                <a:solidFill>
+                  <a:schemeClr val="bg2">
+                    <a:lumMod val="10000"/>
+                  </a:schemeClr>
+                </a:solidFill>
+                <a:latin typeface="Courier" pitchFamily="49" charset="0"/>
+                <a:cs typeface="Arial"/>
+              </a:rPr>
+              <a:t>] [-</a:t>
+            </a:r>
+            <a:r>
+              <a:rPr lang="en-US" sz="1400" dirty="0" err="1" smtClean="0">
+                <a:solidFill>
+                  <a:schemeClr val="bg2">
+                    <a:lumMod val="10000"/>
+                  </a:schemeClr>
+                </a:solidFill>
+                <a:latin typeface="Courier" pitchFamily="49" charset="0"/>
+                <a:cs typeface="Arial"/>
+              </a:rPr>
+              <a:t>num_of_commits</a:t>
+            </a:r>
+            <a:r>
+              <a:rPr lang="en-US" sz="1400" dirty="0" smtClean="0">
+                <a:solidFill>
+                  <a:schemeClr val="bg2">
+                    <a:lumMod val="10000"/>
+                  </a:schemeClr>
+                </a:solidFill>
+                <a:latin typeface="Courier" pitchFamily="49" charset="0"/>
+                <a:cs typeface="Arial"/>
+              </a:rPr>
+              <a:t>]</a:t>
+            </a:r>
+          </a:p>
+          <a:p>
+            <a:pPr marL="800100" lvl="1" indent="-342900">
+              <a:spcBef>
+                <a:spcPct val="0"/>
+              </a:spcBef>
+              <a:buFont typeface="Arial" panose="020B0604020202020204" pitchFamily="34" charset="0"/>
+              <a:buChar char="•"/>
+              <a:defRPr/>
+            </a:pPr>
+            <a:r>
+              <a:rPr lang="en-US" sz="1400" dirty="0" smtClean="0">
+                <a:solidFill>
+                  <a:schemeClr val="bg2">
+                    <a:lumMod val="10000"/>
+                  </a:schemeClr>
+                </a:solidFill>
+                <a:latin typeface="Arial"/>
+                <a:cs typeface="Arial"/>
+              </a:rPr>
+              <a:t>Shows commit history</a:t>
+            </a:r>
+          </a:p>
+          <a:p>
             <a:pPr lvl="0">
               <a:spcBef>
                 <a:spcPct val="0"/>
@@ -6335,7 +7393,7 @@
                 <a:latin typeface="Courier" pitchFamily="49" charset="0"/>
                 <a:cs typeface="Arial"/>
               </a:rPr>
-              <a:t> log [--</a:t>
+              <a:t> checkout &lt;</a:t>
             </a:r>
             <a:r>
               <a:rPr lang="en-US" sz="1400" dirty="0" err="1" smtClean="0">
@@ -6347,7 +7405,7 @@
                 <a:latin typeface="Courier" pitchFamily="49" charset="0"/>
                 <a:cs typeface="Arial"/>
               </a:rPr>
-              <a:t>oneline</a:t>
+              <a:t>commit_id</a:t>
             </a:r>
             <a:r>
               <a:rPr lang="en-US" sz="1400" dirty="0" smtClean="0">
@@ -6359,31 +7417,7 @@
                 <a:latin typeface="Courier" pitchFamily="49" charset="0"/>
                 <a:cs typeface="Arial"/>
               </a:rPr>
-              <a:t>] [-</a:t>
-            </a:r>
-            <a:r>
-              <a:rPr lang="en-US" sz="1400" dirty="0" err="1" smtClean="0">
-                <a:solidFill>
-                  <a:schemeClr val="bg2">
-                    <a:lumMod val="10000"/>
-                  </a:schemeClr>
-                </a:solidFill>
-                <a:latin typeface="Courier" pitchFamily="49" charset="0"/>
-                <a:cs typeface="Arial"/>
-              </a:rPr>
-              <a:t>num_of_commits</a:t>
-            </a:r>
-            <a:r>
-              <a:rPr lang="en-US" sz="1400" dirty="0" smtClean="0">
-                <a:solidFill>
-                  <a:schemeClr val="bg2">
-                    <a:lumMod val="10000"/>
-                  </a:schemeClr>
-                </a:solidFill>
-                <a:latin typeface="Courier" pitchFamily="49" charset="0"/>
-                <a:cs typeface="Arial"/>
-              </a:rPr>
-              <a:t>]</a:t>
+              <a:t>&gt;</a:t>
             </a:r>
           </a:p>
           <a:p>
@@ -6405,16 +7439,8 @@
                 <a:latin typeface="Arial"/>
                 <a:cs typeface="Arial"/>
               </a:rPr>
-              <a:t>Shows commit history</a:t>
-            </a:r>
-          </a:p>
-          <a:p>
-            <a:pPr lvl="0">
-              <a:spcBef>
-                <a:spcPct val="0"/>
-              </a:spcBef>
-              <a:defRPr/>
-            </a:pPr>
+              <a:t>Loads designated commit state to your local machine</a:t>
+            </a:r>
             <a:endParaRPr lang="en-US" sz="1400" dirty="0" smtClean="0">
               <a:solidFill>
                 <a:schemeClr val="bg2">
@@ -6424,98 +7450,6 @@
               <a:latin typeface="Arial"/>
               <a:cs typeface="Arial"/>
             </a:endParaRPr>
-          </a:p>
-          <a:p>
-            <a:pPr marL="342900" lvl="0" indent="-342900">
-              <a:spcBef>
-                <a:spcPct val="0"/>
-              </a:spcBef>
-              <a:buFont typeface="Arial" panose="020B0604020202020204" pitchFamily="34" charset="0"/>
-              <a:buChar char="•"/>
-              <a:defRPr/>
-            </a:pPr>
-            <a:r>
-              <a:rPr lang="en-US" sz="1400" dirty="0" smtClean="0">
-                <a:solidFill>
-                  <a:schemeClr val="bg2">
-                    <a:lumMod val="10000"/>
-                  </a:schemeClr>
-                </a:solidFill>
-                <a:latin typeface="Courier" pitchFamily="49" charset="0"/>
-                <a:cs typeface="Arial"/>
-              </a:rPr>
-              <a:t>$</a:t>
-            </a:r>
-            <a:r>
-              <a:rPr lang="en-US" sz="1400" dirty="0" err="1" smtClean="0">
-                <a:solidFill>
-                  <a:schemeClr val="bg2">
-                    <a:lumMod val="10000"/>
-                  </a:schemeClr>
-                </a:solidFill>
-                <a:latin typeface="Courier" pitchFamily="49" charset="0"/>
-                <a:cs typeface="Arial"/>
-              </a:rPr>
-              <a:t>git</a:t>
-            </a:r>
-            <a:r>
-              <a:rPr lang="en-US" sz="1400" dirty="0" smtClean="0">
-                <a:solidFill>
-                  <a:schemeClr val="bg2">
-                    <a:lumMod val="10000"/>
-                  </a:schemeClr>
-                </a:solidFill>
-                <a:latin typeface="Courier" pitchFamily="49" charset="0"/>
-                <a:cs typeface="Arial"/>
-              </a:rPr>
-              <a:t> checkout &lt;</a:t>
-            </a:r>
-            <a:r>
-              <a:rPr lang="en-US" sz="1400" dirty="0" err="1" smtClean="0">
-                <a:solidFill>
-                  <a:schemeClr val="bg2">
-                    <a:lumMod val="10000"/>
-                  </a:schemeClr>
-                </a:solidFill>
-                <a:latin typeface="Courier" pitchFamily="49" charset="0"/>
-                <a:cs typeface="Arial"/>
-              </a:rPr>
-              <a:t>commit_id</a:t>
-            </a:r>
-            <a:r>
-              <a:rPr lang="en-US" sz="1400" dirty="0" smtClean="0">
-                <a:solidFill>
-                  <a:schemeClr val="bg2">
-                    <a:lumMod val="10000"/>
-                  </a:schemeClr>
-                </a:solidFill>
-                <a:latin typeface="Courier" pitchFamily="49" charset="0"/>
-                <a:cs typeface="Arial"/>
-              </a:rPr>
-              <a:t>&gt;</a:t>
-            </a:r>
-          </a:p>
-          <a:p>
-            <a:pPr marL="800100" lvl="1" indent="-342900">
-              <a:spcBef>
-                <a:spcPct val="0"/>
-              </a:spcBef>
-              <a:buFont typeface="Arial" panose="020B0604020202020204" pitchFamily="34" charset="0"/>
-              <a:buChar char="•"/>
-              <a:defRPr/>
-            </a:pPr>
-            <a:r>
-              <a:rPr lang="en-US" sz="1400" dirty="0" smtClean="0">
-                <a:solidFill>
-                  <a:schemeClr val="bg2">
-                    <a:lumMod val="10000"/>
-                  </a:schemeClr>
-                </a:solidFill>
-                <a:latin typeface="Arial"/>
-                <a:cs typeface="Arial"/>
-              </a:rPr>
-              <a:t>Add file from local machine to repo</a:t>
-            </a:r>
           </a:p>
           <a:p>
             <a:pPr marL="800100" lvl="1" indent="-342900">
@@ -6670,6 +7604,13 @@
   <p:clrMapOvr>
     <a:masterClrMapping/>
   </p:clrMapOvr>
+  <p:timing>
+    <p:tnLst>
+      <p:par>
+        <p:cTn id="1" dur="indefinite" restart="never" nodeType="tmRoot"/>
+      </p:par>
+    </p:tnLst>
+  </p:timing>
 </p:sld>
 </file>
 

--- a/ACM/Git_Presentation.pptx
+++ b/ACM/Git_Presentation.pptx
@@ -18,7 +18,9 @@
     <p:sldId id="268" r:id="rId12"/>
     <p:sldId id="269" r:id="rId13"/>
     <p:sldId id="270" r:id="rId14"/>
-    <p:sldId id="271" r:id="rId15"/>
+    <p:sldId id="272" r:id="rId15"/>
+    <p:sldId id="271" r:id="rId16"/>
+    <p:sldId id="273" r:id="rId17"/>
   </p:sldIdLst>
   <p:sldSz cx="9144000" cy="6858000" type="screen4x3"/>
   <p:notesSz cx="6858000" cy="9144000"/>
@@ -1374,13 +1376,6 @@
   <p:clrMapOvr>
     <a:masterClrMapping/>
   </p:clrMapOvr>
-  <p:timing>
-    <p:tnLst>
-      <p:par>
-        <p:cTn id="1" dur="indefinite" restart="never" nodeType="tmRoot"/>
-      </p:par>
-    </p:tnLst>
-  </p:timing>
 </p:sld>
 </file>
 
@@ -1597,13 +1592,6 @@
   <p:clrMapOvr>
     <a:masterClrMapping/>
   </p:clrMapOvr>
-  <p:timing>
-    <p:tnLst>
-      <p:par>
-        <p:cTn id="1" dur="indefinite" restart="never" nodeType="tmRoot"/>
-      </p:par>
-    </p:tnLst>
-  </p:timing>
 </p:sld>
 </file>
 
@@ -1751,29 +1739,8 @@
                 <a:latin typeface="Arial" panose="020B0604020202020204" pitchFamily="34" charset="0"/>
                 <a:cs typeface="Arial" panose="020B0604020202020204" pitchFamily="34" charset="0"/>
               </a:rPr>
-              <a:t>Look at the branches you’ve </a:t>
-            </a:r>
-            <a:r>
-              <a:rPr lang="en-US" sz="1400" dirty="0" smtClean="0">
-                <a:solidFill>
-                  <a:schemeClr val="bg2">
-                    <a:lumMod val="10000"/>
-                  </a:schemeClr>
-                </a:solidFill>
-                <a:latin typeface="Arial" panose="020B0604020202020204" pitchFamily="34" charset="0"/>
-                <a:cs typeface="Arial" panose="020B0604020202020204" pitchFamily="34" charset="0"/>
-              </a:rPr>
-              <a:t>visited [or all branches]</a:t>
-            </a:r>
-            <a:endParaRPr lang="en-US" sz="1400" dirty="0" smtClean="0">
-              <a:solidFill>
-                <a:schemeClr val="bg2">
-                  <a:lumMod val="10000"/>
-                </a:schemeClr>
-              </a:solidFill>
-              <a:latin typeface="Arial" panose="020B0604020202020204" pitchFamily="34" charset="0"/>
-              <a:cs typeface="Arial" panose="020B0604020202020204" pitchFamily="34" charset="0"/>
-            </a:endParaRPr>
+              <a:t>Look at the branches you’ve visited [or all branches]</a:t>
+            </a:r>
           </a:p>
           <a:p>
             <a:pPr marL="342900" lvl="0" indent="-342900">
@@ -2431,13 +2398,6 @@
   <p:clrMapOvr>
     <a:masterClrMapping/>
   </p:clrMapOvr>
-  <p:timing>
-    <p:tnLst>
-      <p:par>
-        <p:cTn id="1" dur="indefinite" restart="never" nodeType="tmRoot"/>
-      </p:par>
-    </p:tnLst>
-  </p:timing>
 </p:sld>
 </file>
 
@@ -2607,29 +2567,8 @@
                 <a:latin typeface="Arial"/>
                 <a:cs typeface="Arial"/>
               </a:rPr>
-              <a:t>Deletes all your local </a:t>
-            </a:r>
-            <a:r>
-              <a:rPr lang="en-US" sz="1400" dirty="0" smtClean="0">
-                <a:solidFill>
-                  <a:schemeClr val="bg2">
-                    <a:lumMod val="10000"/>
-                  </a:schemeClr>
-                </a:solidFill>
-                <a:latin typeface="Arial"/>
-                <a:cs typeface="Arial"/>
-              </a:rPr>
-              <a:t>changes and revert to most recent commit state</a:t>
-            </a:r>
-            <a:endParaRPr lang="en-US" sz="1400" dirty="0" smtClean="0">
-              <a:solidFill>
-                <a:schemeClr val="bg2">
-                  <a:lumMod val="10000"/>
-                </a:schemeClr>
-              </a:solidFill>
-              <a:latin typeface="Arial"/>
-              <a:cs typeface="Arial"/>
-            </a:endParaRPr>
+              <a:t>Deletes all your local changes and revert to most recent commit state</a:t>
+            </a:r>
           </a:p>
           <a:p>
             <a:pPr marL="342900" lvl="0" indent="-342900">
@@ -2720,29 +2659,8 @@
                 <a:latin typeface="Arial"/>
                 <a:cs typeface="Arial"/>
               </a:rPr>
-              <a:t> to push with your changes (I can’t see why you would ever want to do </a:t>
-            </a:r>
-            <a:r>
-              <a:rPr lang="en-US" sz="1400" dirty="0" smtClean="0">
-                <a:solidFill>
-                  <a:schemeClr val="bg2">
-                    <a:lumMod val="10000"/>
-                  </a:schemeClr>
-                </a:solidFill>
-                <a:latin typeface="Arial"/>
-                <a:cs typeface="Arial"/>
-              </a:rPr>
-              <a:t>this, unless you want to be mean to your teammates)</a:t>
-            </a:r>
-            <a:endParaRPr lang="en-US" sz="1400" dirty="0" smtClean="0">
-              <a:solidFill>
-                <a:schemeClr val="bg2">
-                  <a:lumMod val="10000"/>
-                </a:schemeClr>
-              </a:solidFill>
-              <a:latin typeface="Arial"/>
-              <a:cs typeface="Arial"/>
-            </a:endParaRPr>
+              <a:t> to push with your changes (I can’t see why you would ever want to do this, unless you want to be mean to your teammates)</a:t>
+            </a:r>
           </a:p>
           <a:p>
             <a:pPr marL="342900" indent="-342900">
@@ -2754,7 +2672,7 @@
               <a:defRPr/>
             </a:pPr>
             <a:r>
-              <a:rPr lang="en-US" sz="1400" dirty="0" smtClean="0">
+              <a:rPr lang="en-US" sz="1400" strike="sngStrike" dirty="0" smtClean="0">
                 <a:solidFill>
                   <a:schemeClr val="bg2">
                     <a:lumMod val="10000"/>
@@ -2776,7 +2694,7 @@
               <a:defRPr/>
             </a:pPr>
             <a:r>
-              <a:rPr lang="en-US" sz="1400" dirty="0" smtClean="0">
+              <a:rPr lang="en-US" sz="1400" strike="sngStrike" dirty="0" smtClean="0">
                 <a:solidFill>
                   <a:schemeClr val="bg2">
                     <a:lumMod val="10000"/>
@@ -2788,7 +2706,7 @@
               <a:t>$</a:t>
             </a:r>
             <a:r>
-              <a:rPr lang="en-US" sz="1400" dirty="0" err="1" smtClean="0">
+              <a:rPr lang="en-US" sz="1400" strike="sngStrike" dirty="0" err="1" smtClean="0">
                 <a:solidFill>
                   <a:schemeClr val="bg2">
                     <a:lumMod val="10000"/>
@@ -2800,7 +2718,7 @@
               <a:t>git</a:t>
             </a:r>
             <a:r>
-              <a:rPr lang="en-US" sz="1400" dirty="0" smtClean="0">
+              <a:rPr lang="en-US" sz="1400" strike="sngStrike" dirty="0" smtClean="0">
                 <a:solidFill>
                   <a:schemeClr val="bg2">
                     <a:lumMod val="10000"/>
@@ -2812,7 +2730,7 @@
               <a:t> checkout &lt;</a:t>
             </a:r>
             <a:r>
-              <a:rPr lang="en-US" sz="1400" dirty="0" err="1" smtClean="0">
+              <a:rPr lang="en-US" sz="1400" strike="sngStrike" dirty="0" err="1" smtClean="0">
                 <a:solidFill>
                   <a:schemeClr val="bg2">
                     <a:lumMod val="10000"/>
@@ -2824,7 +2742,7 @@
               <a:t>commit_id</a:t>
             </a:r>
             <a:r>
-              <a:rPr lang="en-US" sz="1400" dirty="0" smtClean="0">
+              <a:rPr lang="en-US" sz="1400" strike="sngStrike" dirty="0" smtClean="0">
                 <a:solidFill>
                   <a:schemeClr val="bg2">
                     <a:lumMod val="10000"/>
@@ -2846,7 +2764,7 @@
               <a:defRPr/>
             </a:pPr>
             <a:r>
-              <a:rPr lang="en-US" sz="1400" dirty="0" smtClean="0">
+              <a:rPr lang="en-US" sz="1400" strike="sngStrike" dirty="0" smtClean="0">
                 <a:solidFill>
                   <a:schemeClr val="bg2">
                     <a:lumMod val="10000"/>
@@ -2858,7 +2776,7 @@
               <a:t>$</a:t>
             </a:r>
             <a:r>
-              <a:rPr lang="en-US" sz="1400" dirty="0" err="1" smtClean="0">
+              <a:rPr lang="en-US" sz="1400" strike="sngStrike" dirty="0" err="1" smtClean="0">
                 <a:solidFill>
                   <a:schemeClr val="bg2">
                     <a:lumMod val="10000"/>
@@ -2870,7 +2788,7 @@
               <a:t>git</a:t>
             </a:r>
             <a:r>
-              <a:rPr lang="en-US" sz="1400" dirty="0" smtClean="0">
+              <a:rPr lang="en-US" sz="1400" strike="sngStrike" dirty="0" smtClean="0">
                 <a:solidFill>
                   <a:schemeClr val="bg2">
                     <a:lumMod val="10000"/>
@@ -2882,7 +2800,7 @@
               <a:t> checkout –b </a:t>
             </a:r>
             <a:r>
-              <a:rPr lang="en-US" sz="1400" dirty="0" err="1" smtClean="0">
+              <a:rPr lang="en-US" sz="1400" strike="sngStrike" dirty="0" err="1" smtClean="0">
                 <a:solidFill>
                   <a:schemeClr val="bg2">
                     <a:lumMod val="10000"/>
@@ -2893,7 +2811,7 @@
               </a:rPr>
               <a:t>new_master</a:t>
             </a:r>
-            <a:endParaRPr lang="en-US" sz="1400" dirty="0">
+            <a:endParaRPr lang="en-US" sz="1400" strike="sngStrike" dirty="0">
               <a:solidFill>
                 <a:schemeClr val="bg2">
                   <a:lumMod val="10000"/>
@@ -2913,7 +2831,7 @@
               <a:defRPr/>
             </a:pPr>
             <a:r>
-              <a:rPr lang="en-US" sz="1400" dirty="0" smtClean="0">
+              <a:rPr lang="en-US" sz="1400" strike="sngStrike" dirty="0" smtClean="0">
                 <a:solidFill>
                   <a:schemeClr val="bg2">
                     <a:lumMod val="10000"/>
@@ -2925,7 +2843,7 @@
               <a:t>$</a:t>
             </a:r>
             <a:r>
-              <a:rPr lang="en-US" sz="1400" dirty="0" err="1" smtClean="0">
+              <a:rPr lang="en-US" sz="1400" strike="sngStrike" dirty="0" err="1" smtClean="0">
                 <a:solidFill>
                   <a:schemeClr val="bg2">
                     <a:lumMod val="10000"/>
@@ -2937,40 +2855,16 @@
               <a:t>git</a:t>
             </a:r>
             <a:r>
-              <a:rPr lang="en-US" sz="1400" dirty="0" smtClean="0">
-                <a:solidFill>
-                  <a:schemeClr val="bg2">
-                    <a:lumMod val="10000"/>
-                  </a:schemeClr>
-                </a:solidFill>
-                <a:latin typeface="Courier" pitchFamily="49" charset="0"/>
-                <a:cs typeface="Arial"/>
-              </a:rPr>
-              <a:t> </a:t>
-            </a:r>
-            <a:r>
-              <a:rPr lang="en-US" sz="1400" dirty="0" smtClean="0">
-                <a:solidFill>
-                  <a:schemeClr val="bg2">
-                    <a:lumMod val="10000"/>
-                  </a:schemeClr>
-                </a:solidFill>
-                <a:latin typeface="Courier" pitchFamily="49" charset="0"/>
-                <a:cs typeface="Arial"/>
-              </a:rPr>
-              <a:t>branch </a:t>
-            </a:r>
-            <a:r>
-              <a:rPr lang="en-US" sz="1400" dirty="0" smtClean="0">
-                <a:solidFill>
-                  <a:schemeClr val="bg2">
-                    <a:lumMod val="10000"/>
-                  </a:schemeClr>
-                </a:solidFill>
-                <a:latin typeface="Courier" pitchFamily="49" charset="0"/>
-                <a:cs typeface="Arial"/>
-              </a:rPr>
-              <a:t>–d master</a:t>
+              <a:rPr lang="en-US" sz="1400" strike="sngStrike" dirty="0" smtClean="0">
+                <a:solidFill>
+                  <a:schemeClr val="bg2">
+                    <a:lumMod val="10000"/>
+                  </a:schemeClr>
+                </a:solidFill>
+                <a:latin typeface="Courier" pitchFamily="49" charset="0"/>
+                <a:cs typeface="Arial"/>
+              </a:rPr>
+              <a:t> branch –d master</a:t>
             </a:r>
           </a:p>
           <a:p>
@@ -2983,28 +2877,16 @@
               <a:defRPr/>
             </a:pPr>
             <a:r>
-              <a:rPr lang="en-US" sz="1400" b="1" dirty="0" smtClean="0">
-                <a:solidFill>
-                  <a:schemeClr val="bg2">
-                    <a:lumMod val="10000"/>
-                  </a:schemeClr>
-                </a:solidFill>
-                <a:latin typeface="Arial"/>
-                <a:cs typeface="Arial"/>
-              </a:rPr>
-              <a:t>THIS IS PAST THE POINT OF </a:t>
-            </a:r>
-            <a:r>
-              <a:rPr lang="en-US" sz="1400" b="1" dirty="0" smtClean="0">
-                <a:solidFill>
-                  <a:schemeClr val="bg2">
-                    <a:lumMod val="10000"/>
-                  </a:schemeClr>
-                </a:solidFill>
-                <a:latin typeface="Arial"/>
-                <a:cs typeface="Arial"/>
-              </a:rPr>
-              <a:t>NO RETURN</a:t>
+              <a:rPr lang="en-US" sz="1400" b="1" strike="sngStrike" dirty="0" smtClean="0">
+                <a:solidFill>
+                  <a:schemeClr val="bg2">
+                    <a:lumMod val="10000"/>
+                  </a:schemeClr>
+                </a:solidFill>
+                <a:latin typeface="Arial"/>
+                <a:cs typeface="Arial"/>
+              </a:rPr>
+              <a:t>THIS IS PAST THE POINT OF NO RETURN</a:t>
             </a:r>
           </a:p>
           <a:p>
@@ -3017,7 +2899,7 @@
               <a:defRPr/>
             </a:pPr>
             <a:r>
-              <a:rPr lang="en-US" sz="1400" dirty="0" smtClean="0">
+              <a:rPr lang="en-US" sz="1400" strike="sngStrike" dirty="0" smtClean="0">
                 <a:solidFill>
                   <a:schemeClr val="bg2">
                     <a:lumMod val="10000"/>
@@ -3029,7 +2911,7 @@
               <a:t>$</a:t>
             </a:r>
             <a:r>
-              <a:rPr lang="en-US" sz="1400" dirty="0" err="1" smtClean="0">
+              <a:rPr lang="en-US" sz="1400" strike="sngStrike" dirty="0" err="1" smtClean="0">
                 <a:solidFill>
                   <a:schemeClr val="bg2">
                     <a:lumMod val="10000"/>
@@ -3041,7 +2923,7 @@
               <a:t>git</a:t>
             </a:r>
             <a:r>
-              <a:rPr lang="en-US" sz="1400" dirty="0" smtClean="0">
+              <a:rPr lang="en-US" sz="1400" strike="sngStrike" dirty="0" smtClean="0">
                 <a:solidFill>
                   <a:schemeClr val="bg2">
                     <a:lumMod val="10000"/>
@@ -3053,7 +2935,7 @@
               <a:t> branch –mv </a:t>
             </a:r>
             <a:r>
-              <a:rPr lang="en-US" sz="1400" dirty="0" err="1" smtClean="0">
+              <a:rPr lang="en-US" sz="1400" strike="sngStrike" dirty="0" err="1" smtClean="0">
                 <a:solidFill>
                   <a:schemeClr val="bg2">
                     <a:lumMod val="10000"/>
@@ -3065,7 +2947,7 @@
               <a:t>new_mater</a:t>
             </a:r>
             <a:r>
-              <a:rPr lang="en-US" sz="1400" dirty="0" smtClean="0">
+              <a:rPr lang="en-US" sz="1400" strike="sngStrike" dirty="0" smtClean="0">
                 <a:solidFill>
                   <a:schemeClr val="bg2">
                     <a:lumMod val="10000"/>
@@ -3087,7 +2969,7 @@
               <a:defRPr/>
             </a:pPr>
             <a:r>
-              <a:rPr lang="en-US" sz="1400" b="1" dirty="0" smtClean="0">
+              <a:rPr lang="en-US" sz="1400" b="1" strike="sngStrike" dirty="0" smtClean="0">
                 <a:solidFill>
                   <a:schemeClr val="bg2">
                     <a:lumMod val="10000"/>
@@ -3109,40 +2991,16 @@
               <a:defRPr/>
             </a:pPr>
             <a:r>
-              <a:rPr lang="en-US" sz="1400" b="1" dirty="0" smtClean="0">
-                <a:solidFill>
-                  <a:schemeClr val="bg2">
-                    <a:lumMod val="10000"/>
-                  </a:schemeClr>
-                </a:solidFill>
-                <a:latin typeface="Arial"/>
-                <a:cs typeface="Arial"/>
-              </a:rPr>
-              <a:t>I DO NOT ENDORSE THIS. DO THIS AT YOUR OWN RISK. I AM NOT RESPNOSIBLE FOR ANY DAMAGES CAUSED </a:t>
-            </a:r>
-            <a:r>
-              <a:rPr lang="en-US" sz="1400" b="1" dirty="0" smtClean="0">
-                <a:solidFill>
-                  <a:schemeClr val="bg2">
-                    <a:lumMod val="10000"/>
-                  </a:schemeClr>
-                </a:solidFill>
-                <a:latin typeface="Arial"/>
-                <a:cs typeface="Arial"/>
-              </a:rPr>
-              <a:t>BY </a:t>
-            </a:r>
-            <a:r>
-              <a:rPr lang="en-US" sz="1400" b="1" dirty="0" smtClean="0">
-                <a:solidFill>
-                  <a:schemeClr val="bg2">
-                    <a:lumMod val="10000"/>
-                  </a:schemeClr>
-                </a:solidFill>
-                <a:latin typeface="Arial"/>
-                <a:cs typeface="Arial"/>
-              </a:rPr>
-              <a:t>YOU DINKING AROUND WITH CHANGING YOUR MASTER BRANCH</a:t>
+              <a:rPr lang="en-US" sz="1400" b="1" strike="sngStrike" dirty="0" smtClean="0">
+                <a:solidFill>
+                  <a:schemeClr val="bg2">
+                    <a:lumMod val="10000"/>
+                  </a:schemeClr>
+                </a:solidFill>
+                <a:latin typeface="Arial"/>
+                <a:cs typeface="Arial"/>
+              </a:rPr>
+              <a:t>I DO NOT ENDORSE THIS. DO THIS AT YOUR OWN RISK. I AM NOT RESPNOSIBLE FOR ANY DAMAGES CAUSED BY YOU DINKING AROUND WITH CHANGING YOUR MASTER BRANCH</a:t>
             </a:r>
           </a:p>
         </p:txBody>
@@ -3645,6 +3503,449 @@
       </p:grpSpPr>
       <p:sp>
         <p:nvSpPr>
+          <p:cNvPr id="2" name="TextBox 1"/>
+          <p:cNvSpPr txBox="1"/>
+          <p:nvPr/>
+        </p:nvSpPr>
+        <p:spPr>
+          <a:xfrm>
+            <a:off x="943687" y="977900"/>
+            <a:ext cx="7399800" cy="4062651"/>
+          </a:xfrm>
+          <a:prstGeom prst="rect">
+            <a:avLst/>
+          </a:prstGeom>
+          <a:noFill/>
+        </p:spPr>
+        <p:txBody>
+          <a:bodyPr wrap="square" rtlCol="0">
+            <a:spAutoFit/>
+          </a:bodyPr>
+          <a:lstStyle/>
+          <a:p>
+            <a:pPr lvl="0">
+              <a:spcBef>
+                <a:spcPct val="0"/>
+              </a:spcBef>
+              <a:defRPr/>
+            </a:pPr>
+            <a:r>
+              <a:rPr lang="en-US" sz="2400" b="1" dirty="0" smtClean="0">
+                <a:latin typeface="Arial"/>
+                <a:cs typeface="Arial"/>
+              </a:rPr>
+              <a:t>Changing </a:t>
+            </a:r>
+            <a:r>
+              <a:rPr lang="en-US" sz="2400" b="1" dirty="0" err="1" smtClean="0">
+                <a:latin typeface="Arial"/>
+                <a:cs typeface="Arial"/>
+              </a:rPr>
+              <a:t>Git</a:t>
+            </a:r>
+            <a:r>
+              <a:rPr lang="en-US" sz="2400" b="1" dirty="0" smtClean="0">
+                <a:latin typeface="Arial"/>
+                <a:cs typeface="Arial"/>
+              </a:rPr>
+              <a:t> master branch workaround</a:t>
+            </a:r>
+            <a:endParaRPr lang="en-US" sz="2400" b="1" dirty="0" smtClean="0">
+              <a:latin typeface="Arial"/>
+              <a:cs typeface="Arial"/>
+            </a:endParaRPr>
+          </a:p>
+          <a:p>
+            <a:pPr lvl="0">
+              <a:spcBef>
+                <a:spcPct val="0"/>
+              </a:spcBef>
+              <a:defRPr/>
+            </a:pPr>
+            <a:endParaRPr lang="en-US" sz="2400" b="1" dirty="0" smtClean="0">
+              <a:latin typeface="Arial"/>
+              <a:cs typeface="Arial"/>
+            </a:endParaRPr>
+          </a:p>
+          <a:p>
+            <a:pPr marL="342900" lvl="0" indent="-342900">
+              <a:spcBef>
+                <a:spcPct val="0"/>
+              </a:spcBef>
+              <a:buFont typeface="Arial" panose="020B0604020202020204" pitchFamily="34" charset="0"/>
+              <a:buChar char="•"/>
+              <a:defRPr/>
+            </a:pPr>
+            <a:r>
+              <a:rPr lang="en-US" sz="1400" dirty="0" smtClean="0">
+                <a:solidFill>
+                  <a:schemeClr val="bg2">
+                    <a:lumMod val="10000"/>
+                  </a:schemeClr>
+                </a:solidFill>
+                <a:latin typeface="Arial" panose="020B0604020202020204" pitchFamily="34" charset="0"/>
+                <a:cs typeface="Arial" panose="020B0604020202020204" pitchFamily="34" charset="0"/>
+              </a:rPr>
+              <a:t>Contact all your teammates about reverting master branch to a previous commit, make sure they all agree and save the changes they want to make to their local machine (not in the repo)</a:t>
+            </a:r>
+          </a:p>
+          <a:p>
+            <a:pPr marL="342900" lvl="0" indent="-342900">
+              <a:spcBef>
+                <a:spcPct val="0"/>
+              </a:spcBef>
+              <a:buFont typeface="Arial" panose="020B0604020202020204" pitchFamily="34" charset="0"/>
+              <a:buChar char="•"/>
+              <a:defRPr/>
+            </a:pPr>
+            <a:r>
+              <a:rPr lang="en-US" sz="1400" dirty="0" smtClean="0">
+                <a:solidFill>
+                  <a:schemeClr val="bg2">
+                    <a:lumMod val="10000"/>
+                  </a:schemeClr>
+                </a:solidFill>
+                <a:latin typeface="Arial" panose="020B0604020202020204" pitchFamily="34" charset="0"/>
+                <a:cs typeface="Arial" panose="020B0604020202020204" pitchFamily="34" charset="0"/>
+              </a:rPr>
+              <a:t>Make sure only one person is going to do this process</a:t>
+            </a:r>
+            <a:endParaRPr lang="en-US" sz="1400" dirty="0">
+              <a:solidFill>
+                <a:schemeClr val="bg2">
+                  <a:lumMod val="10000"/>
+                </a:schemeClr>
+              </a:solidFill>
+              <a:latin typeface="Arial" panose="020B0604020202020204" pitchFamily="34" charset="0"/>
+              <a:cs typeface="Arial" panose="020B0604020202020204" pitchFamily="34" charset="0"/>
+            </a:endParaRPr>
+          </a:p>
+          <a:p>
+            <a:pPr marL="342900" lvl="0" indent="-342900">
+              <a:spcBef>
+                <a:spcPct val="0"/>
+              </a:spcBef>
+              <a:buFont typeface="Arial" panose="020B0604020202020204" pitchFamily="34" charset="0"/>
+              <a:buChar char="•"/>
+              <a:defRPr/>
+            </a:pPr>
+            <a:r>
+              <a:rPr lang="en-US" sz="1400" dirty="0" smtClean="0">
+                <a:solidFill>
+                  <a:schemeClr val="bg2">
+                    <a:lumMod val="10000"/>
+                  </a:schemeClr>
+                </a:solidFill>
+                <a:latin typeface="Arial" panose="020B0604020202020204" pitchFamily="34" charset="0"/>
+                <a:cs typeface="Arial" panose="020B0604020202020204" pitchFamily="34" charset="0"/>
+              </a:rPr>
+              <a:t>Checkout the commit you want to revert back to</a:t>
+            </a:r>
+          </a:p>
+          <a:p>
+            <a:pPr marL="342900" lvl="0" indent="-342900">
+              <a:spcBef>
+                <a:spcPct val="0"/>
+              </a:spcBef>
+              <a:buFont typeface="Arial" panose="020B0604020202020204" pitchFamily="34" charset="0"/>
+              <a:buChar char="•"/>
+              <a:defRPr/>
+            </a:pPr>
+            <a:r>
+              <a:rPr lang="en-US" sz="1400" dirty="0" smtClean="0">
+                <a:solidFill>
+                  <a:schemeClr val="bg2">
+                    <a:lumMod val="10000"/>
+                  </a:schemeClr>
+                </a:solidFill>
+                <a:latin typeface="Arial" panose="020B0604020202020204" pitchFamily="34" charset="0"/>
+                <a:cs typeface="Arial" panose="020B0604020202020204" pitchFamily="34" charset="0"/>
+              </a:rPr>
+              <a:t>Copy the contents of the repository to your local machine</a:t>
+            </a:r>
+          </a:p>
+          <a:p>
+            <a:pPr marL="342900" lvl="0" indent="-342900">
+              <a:spcBef>
+                <a:spcPct val="0"/>
+              </a:spcBef>
+              <a:buFont typeface="Arial" panose="020B0604020202020204" pitchFamily="34" charset="0"/>
+              <a:buChar char="•"/>
+              <a:defRPr/>
+            </a:pPr>
+            <a:r>
+              <a:rPr lang="en-US" sz="1400" dirty="0" smtClean="0">
+                <a:solidFill>
+                  <a:schemeClr val="bg2">
+                    <a:lumMod val="10000"/>
+                  </a:schemeClr>
+                </a:solidFill>
+                <a:latin typeface="Arial" panose="020B0604020202020204" pitchFamily="34" charset="0"/>
+                <a:cs typeface="Arial" panose="020B0604020202020204" pitchFamily="34" charset="0"/>
+              </a:rPr>
+              <a:t>Checkout the master branch</a:t>
+            </a:r>
+          </a:p>
+          <a:p>
+            <a:pPr marL="342900" lvl="0" indent="-342900">
+              <a:spcBef>
+                <a:spcPct val="0"/>
+              </a:spcBef>
+              <a:buFont typeface="Arial" panose="020B0604020202020204" pitchFamily="34" charset="0"/>
+              <a:buChar char="•"/>
+              <a:defRPr/>
+            </a:pPr>
+            <a:r>
+              <a:rPr lang="en-US" sz="1400" dirty="0" smtClean="0">
+                <a:solidFill>
+                  <a:schemeClr val="bg2">
+                    <a:lumMod val="10000"/>
+                  </a:schemeClr>
+                </a:solidFill>
+                <a:latin typeface="Arial" panose="020B0604020202020204" pitchFamily="34" charset="0"/>
+                <a:cs typeface="Arial" panose="020B0604020202020204" pitchFamily="34" charset="0"/>
+              </a:rPr>
+              <a:t>Delete all the files in the master branch</a:t>
+            </a:r>
+          </a:p>
+          <a:p>
+            <a:pPr marL="342900" lvl="0" indent="-342900">
+              <a:spcBef>
+                <a:spcPct val="0"/>
+              </a:spcBef>
+              <a:buFont typeface="Arial" panose="020B0604020202020204" pitchFamily="34" charset="0"/>
+              <a:buChar char="•"/>
+              <a:defRPr/>
+            </a:pPr>
+            <a:r>
+              <a:rPr lang="en-US" sz="1400" dirty="0" smtClean="0">
+                <a:solidFill>
+                  <a:schemeClr val="bg2">
+                    <a:lumMod val="10000"/>
+                  </a:schemeClr>
+                </a:solidFill>
+                <a:latin typeface="Arial" panose="020B0604020202020204" pitchFamily="34" charset="0"/>
+                <a:cs typeface="Arial" panose="020B0604020202020204" pitchFamily="34" charset="0"/>
+              </a:rPr>
+              <a:t>Replace all the files in the repository with the contents of the previous commit you saved onto your local machine</a:t>
+            </a:r>
+          </a:p>
+          <a:p>
+            <a:pPr marL="342900" lvl="0" indent="-342900">
+              <a:spcBef>
+                <a:spcPct val="0"/>
+              </a:spcBef>
+              <a:buFont typeface="Arial" panose="020B0604020202020204" pitchFamily="34" charset="0"/>
+              <a:buChar char="•"/>
+              <a:defRPr/>
+            </a:pPr>
+            <a:r>
+              <a:rPr lang="en-US" sz="1400" dirty="0" smtClean="0">
+                <a:solidFill>
+                  <a:schemeClr val="bg2">
+                    <a:lumMod val="10000"/>
+                  </a:schemeClr>
+                </a:solidFill>
+                <a:latin typeface="Arial" panose="020B0604020202020204" pitchFamily="34" charset="0"/>
+                <a:cs typeface="Arial" panose="020B0604020202020204" pitchFamily="34" charset="0"/>
+              </a:rPr>
+              <a:t>Run:</a:t>
+            </a:r>
+          </a:p>
+          <a:p>
+            <a:pPr marL="800100" lvl="1" indent="-342900">
+              <a:spcBef>
+                <a:spcPct val="0"/>
+              </a:spcBef>
+              <a:buFont typeface="Arial" panose="020B0604020202020204" pitchFamily="34" charset="0"/>
+              <a:buChar char="•"/>
+              <a:defRPr/>
+            </a:pPr>
+            <a:r>
+              <a:rPr lang="en-US" sz="1400" dirty="0" smtClean="0">
+                <a:solidFill>
+                  <a:schemeClr val="bg2">
+                    <a:lumMod val="10000"/>
+                  </a:schemeClr>
+                </a:solidFill>
+                <a:latin typeface="Courier" pitchFamily="49" charset="0"/>
+                <a:cs typeface="Arial"/>
+              </a:rPr>
+              <a:t>$</a:t>
+            </a:r>
+            <a:r>
+              <a:rPr lang="en-US" sz="1400" dirty="0" err="1" smtClean="0">
+                <a:solidFill>
+                  <a:schemeClr val="bg2">
+                    <a:lumMod val="10000"/>
+                  </a:schemeClr>
+                </a:solidFill>
+                <a:latin typeface="Courier" pitchFamily="49" charset="0"/>
+                <a:cs typeface="Arial"/>
+              </a:rPr>
+              <a:t>git</a:t>
+            </a:r>
+            <a:r>
+              <a:rPr lang="en-US" sz="1400" dirty="0" smtClean="0">
+                <a:solidFill>
+                  <a:schemeClr val="bg2">
+                    <a:lumMod val="10000"/>
+                  </a:schemeClr>
+                </a:solidFill>
+                <a:latin typeface="Courier" pitchFamily="49" charset="0"/>
+                <a:cs typeface="Arial"/>
+              </a:rPr>
+              <a:t> add .</a:t>
+            </a:r>
+          </a:p>
+          <a:p>
+            <a:pPr marL="800100" lvl="1" indent="-342900">
+              <a:spcBef>
+                <a:spcPct val="0"/>
+              </a:spcBef>
+              <a:buFont typeface="Arial" panose="020B0604020202020204" pitchFamily="34" charset="0"/>
+              <a:buChar char="•"/>
+              <a:defRPr/>
+            </a:pPr>
+            <a:r>
+              <a:rPr lang="en-US" sz="1400" dirty="0" smtClean="0">
+                <a:solidFill>
+                  <a:schemeClr val="bg2">
+                    <a:lumMod val="10000"/>
+                  </a:schemeClr>
+                </a:solidFill>
+                <a:latin typeface="Courier" pitchFamily="49" charset="0"/>
+                <a:cs typeface="Arial"/>
+              </a:rPr>
+              <a:t>$</a:t>
+            </a:r>
+            <a:r>
+              <a:rPr lang="en-US" sz="1400" dirty="0" err="1" smtClean="0">
+                <a:solidFill>
+                  <a:schemeClr val="bg2">
+                    <a:lumMod val="10000"/>
+                  </a:schemeClr>
+                </a:solidFill>
+                <a:latin typeface="Courier" pitchFamily="49" charset="0"/>
+                <a:cs typeface="Arial"/>
+              </a:rPr>
+              <a:t>git</a:t>
+            </a:r>
+            <a:r>
+              <a:rPr lang="en-US" sz="1400" dirty="0" smtClean="0">
+                <a:solidFill>
+                  <a:schemeClr val="bg2">
+                    <a:lumMod val="10000"/>
+                  </a:schemeClr>
+                </a:solidFill>
+                <a:latin typeface="Courier" pitchFamily="49" charset="0"/>
+                <a:cs typeface="Arial"/>
+              </a:rPr>
+              <a:t> commit –m “&lt;message&gt;”</a:t>
+            </a:r>
+          </a:p>
+          <a:p>
+            <a:pPr marL="800100" lvl="1" indent="-342900">
+              <a:spcBef>
+                <a:spcPct val="0"/>
+              </a:spcBef>
+              <a:buFont typeface="Arial" panose="020B0604020202020204" pitchFamily="34" charset="0"/>
+              <a:buChar char="•"/>
+              <a:defRPr/>
+            </a:pPr>
+            <a:r>
+              <a:rPr lang="en-US" sz="1400" dirty="0" smtClean="0">
+                <a:solidFill>
+                  <a:schemeClr val="bg2">
+                    <a:lumMod val="10000"/>
+                  </a:schemeClr>
+                </a:solidFill>
+                <a:latin typeface="Courier" pitchFamily="49" charset="0"/>
+                <a:cs typeface="Arial"/>
+              </a:rPr>
+              <a:t>$</a:t>
+            </a:r>
+            <a:r>
+              <a:rPr lang="en-US" sz="1400" dirty="0" err="1" smtClean="0">
+                <a:solidFill>
+                  <a:schemeClr val="bg2">
+                    <a:lumMod val="10000"/>
+                  </a:schemeClr>
+                </a:solidFill>
+                <a:latin typeface="Courier" pitchFamily="49" charset="0"/>
+                <a:cs typeface="Arial"/>
+              </a:rPr>
+              <a:t>git</a:t>
+            </a:r>
+            <a:r>
+              <a:rPr lang="en-US" sz="1400" dirty="0" smtClean="0">
+                <a:solidFill>
+                  <a:schemeClr val="bg2">
+                    <a:lumMod val="10000"/>
+                  </a:schemeClr>
+                </a:solidFill>
+                <a:latin typeface="Courier" pitchFamily="49" charset="0"/>
+                <a:cs typeface="Arial"/>
+              </a:rPr>
+              <a:t> push (possibly –f)</a:t>
+            </a:r>
+          </a:p>
+          <a:p>
+            <a:pPr marL="342900" indent="-342900">
+              <a:spcBef>
+                <a:spcPct val="0"/>
+              </a:spcBef>
+              <a:buFont typeface="Arial" panose="020B0604020202020204" pitchFamily="34" charset="0"/>
+              <a:buChar char="•"/>
+              <a:defRPr/>
+            </a:pPr>
+            <a:r>
+              <a:rPr lang="en-US" sz="1400" dirty="0" smtClean="0">
+                <a:solidFill>
+                  <a:schemeClr val="bg2">
+                    <a:lumMod val="10000"/>
+                  </a:schemeClr>
+                </a:solidFill>
+                <a:latin typeface="Arial" panose="020B0604020202020204" pitchFamily="34" charset="0"/>
+                <a:cs typeface="Arial" panose="020B0604020202020204" pitchFamily="34" charset="0"/>
+              </a:rPr>
+              <a:t>Once again, DO THIS AT YOUR OWN RISK</a:t>
+            </a:r>
+          </a:p>
+        </p:txBody>
+      </p:sp>
+    </p:spTree>
+    <p:extLst>
+      <p:ext uri="{BB962C8B-B14F-4D97-AF65-F5344CB8AC3E}">
+        <p14:creationId xmlns:p14="http://schemas.microsoft.com/office/powerpoint/2010/main" val="1508222036"/>
+      </p:ext>
+    </p:extLst>
+  </p:cSld>
+  <p:clrMapOvr>
+    <a:masterClrMapping/>
+  </p:clrMapOvr>
+</p:sld>
+</file>
+
+<file path=ppt/slides/slide14.xml><?xml version="1.0" encoding="utf-8"?>
+<p:sld xmlns:a="http://schemas.openxmlformats.org/drawingml/2006/main" xmlns:r="http://schemas.openxmlformats.org/officeDocument/2006/relationships" xmlns:p="http://schemas.openxmlformats.org/presentationml/2006/main">
+  <p:cSld>
+    <p:spTree>
+      <p:nvGrpSpPr>
+        <p:cNvPr id="1" name=""/>
+        <p:cNvGrpSpPr/>
+        <p:nvPr/>
+      </p:nvGrpSpPr>
+      <p:grpSpPr>
+        <a:xfrm>
+          <a:off x="0" y="0"/>
+          <a:ext cx="0" cy="0"/>
+          <a:chOff x="0" y="0"/>
+          <a:chExt cx="0" cy="0"/>
+        </a:xfrm>
+      </p:grpSpPr>
+      <p:sp>
+        <p:nvSpPr>
           <p:cNvPr id="4" name="Title 1"/>
           <p:cNvSpPr txBox="1">
             <a:spLocks/>
@@ -3858,13 +4159,399 @@
   <p:clrMapOvr>
     <a:masterClrMapping/>
   </p:clrMapOvr>
-  <p:timing>
-    <p:tnLst>
-      <p:par>
-        <p:cTn id="1" dur="indefinite" restart="never" nodeType="tmRoot"/>
-      </p:par>
-    </p:tnLst>
-  </p:timing>
+</p:sld>
+</file>
+
+<file path=ppt/slides/slide15.xml><?xml version="1.0" encoding="utf-8"?>
+<p:sld xmlns:a="http://schemas.openxmlformats.org/drawingml/2006/main" xmlns:r="http://schemas.openxmlformats.org/officeDocument/2006/relationships" xmlns:p="http://schemas.openxmlformats.org/presentationml/2006/main">
+  <p:cSld>
+    <p:spTree>
+      <p:nvGrpSpPr>
+        <p:cNvPr id="1" name=""/>
+        <p:cNvGrpSpPr/>
+        <p:nvPr/>
+      </p:nvGrpSpPr>
+      <p:grpSpPr>
+        <a:xfrm>
+          <a:off x="0" y="0"/>
+          <a:ext cx="0" cy="0"/>
+          <a:chOff x="0" y="0"/>
+          <a:chExt cx="0" cy="0"/>
+        </a:xfrm>
+      </p:grpSpPr>
+      <p:sp>
+        <p:nvSpPr>
+          <p:cNvPr id="6" name="Subtitle 2"/>
+          <p:cNvSpPr txBox="1">
+            <a:spLocks/>
+          </p:cNvSpPr>
+          <p:nvPr/>
+        </p:nvSpPr>
+        <p:spPr>
+          <a:xfrm>
+            <a:off x="0" y="5461462"/>
+            <a:ext cx="9129299" cy="227676"/>
+          </a:xfrm>
+          <a:prstGeom prst="rect">
+            <a:avLst/>
+          </a:prstGeom>
+        </p:spPr>
+        <p:txBody>
+          <a:bodyPr vert="horz" lIns="91440" tIns="45720" rIns="91440" bIns="45720" rtlCol="0">
+            <a:normAutofit fontScale="92500" lnSpcReduction="20000"/>
+          </a:bodyPr>
+          <a:lstStyle/>
+          <a:p>
+            <a:pPr marL="0" marR="0" lvl="0" indent="0" algn="ctr" defTabSz="457200" rtl="0" eaLnBrk="1" fontAlgn="auto" latinLnBrk="0" hangingPunct="1">
+              <a:lnSpc>
+                <a:spcPct val="100000"/>
+              </a:lnSpc>
+              <a:spcBef>
+                <a:spcPct val="20000"/>
+              </a:spcBef>
+              <a:spcAft>
+                <a:spcPts val="0"/>
+              </a:spcAft>
+              <a:buClrTx/>
+              <a:buSzTx/>
+              <a:buFont typeface="Arial"/>
+              <a:buNone/>
+              <a:tabLst/>
+              <a:defRPr/>
+            </a:pPr>
+            <a:r>
+              <a:rPr kumimoji="0" lang="en-US" sz="1200" i="1" u="none" strike="noStrike" kern="1200" cap="none" spc="0" normalizeH="0" baseline="0" noProof="0" dirty="0" smtClean="0">
+                <a:effectLst/>
+                <a:uLnTx/>
+                <a:uFillTx/>
+                <a:latin typeface="Times New Roman"/>
+                <a:ea typeface="+mn-ea"/>
+                <a:cs typeface="Times New Roman"/>
+              </a:rPr>
+              <a:t>Pun Counter</a:t>
+            </a:r>
+            <a:r>
+              <a:rPr kumimoji="0" lang="en-US" sz="1200" i="1" u="none" strike="noStrike" kern="1200" cap="none" spc="0" normalizeH="0" baseline="0" noProof="0" smtClean="0">
+                <a:effectLst/>
+                <a:uLnTx/>
+                <a:uFillTx/>
+                <a:latin typeface="Times New Roman"/>
+                <a:ea typeface="+mn-ea"/>
+                <a:cs typeface="Times New Roman"/>
+              </a:rPr>
+              <a:t>: 10</a:t>
+            </a:r>
+            <a:endParaRPr kumimoji="0" lang="en-US" sz="1200" i="1" u="none" strike="noStrike" kern="1200" cap="none" spc="0" normalizeH="0" baseline="0" noProof="0" dirty="0" smtClean="0">
+              <a:effectLst/>
+              <a:uLnTx/>
+              <a:uFillTx/>
+              <a:latin typeface="Times New Roman"/>
+              <a:ea typeface="+mn-ea"/>
+              <a:cs typeface="Times New Roman"/>
+            </a:endParaRPr>
+          </a:p>
+        </p:txBody>
+      </p:sp>
+      <p:sp>
+        <p:nvSpPr>
+          <p:cNvPr id="5" name="TextBox 4"/>
+          <p:cNvSpPr txBox="1"/>
+          <p:nvPr/>
+        </p:nvSpPr>
+        <p:spPr>
+          <a:xfrm>
+            <a:off x="943687" y="977900"/>
+            <a:ext cx="7399800" cy="3200876"/>
+          </a:xfrm>
+          <a:prstGeom prst="rect">
+            <a:avLst/>
+          </a:prstGeom>
+          <a:noFill/>
+        </p:spPr>
+        <p:txBody>
+          <a:bodyPr wrap="square" rtlCol="0">
+            <a:spAutoFit/>
+          </a:bodyPr>
+          <a:lstStyle/>
+          <a:p>
+            <a:pPr lvl="0">
+              <a:spcBef>
+                <a:spcPct val="0"/>
+              </a:spcBef>
+              <a:defRPr/>
+            </a:pPr>
+            <a:r>
+              <a:rPr lang="en-US" sz="2400" b="1" dirty="0" err="1" smtClean="0">
+                <a:latin typeface="Arial"/>
+                <a:cs typeface="Arial"/>
+              </a:rPr>
+              <a:t>Git</a:t>
+            </a:r>
+            <a:r>
+              <a:rPr lang="en-US" sz="2400" b="1" dirty="0" smtClean="0">
+                <a:latin typeface="Arial"/>
+                <a:cs typeface="Arial"/>
+              </a:rPr>
+              <a:t> Healthy Practices</a:t>
+            </a:r>
+            <a:endParaRPr lang="en-US" sz="2400" b="1" dirty="0" smtClean="0">
+              <a:latin typeface="Arial"/>
+              <a:cs typeface="Arial"/>
+            </a:endParaRPr>
+          </a:p>
+          <a:p>
+            <a:pPr lvl="0">
+              <a:spcBef>
+                <a:spcPct val="0"/>
+              </a:spcBef>
+              <a:defRPr/>
+            </a:pPr>
+            <a:endParaRPr lang="en-US" sz="2400" b="1" dirty="0" smtClean="0">
+              <a:latin typeface="Arial"/>
+              <a:cs typeface="Arial"/>
+            </a:endParaRPr>
+          </a:p>
+          <a:p>
+            <a:pPr marL="342900" lvl="0" indent="-342900">
+              <a:spcBef>
+                <a:spcPct val="0"/>
+              </a:spcBef>
+              <a:buFont typeface="Arial" panose="020B0604020202020204" pitchFamily="34" charset="0"/>
+              <a:buChar char="•"/>
+              <a:defRPr/>
+            </a:pPr>
+            <a:r>
+              <a:rPr lang="en-US" sz="1400" dirty="0" smtClean="0">
+                <a:solidFill>
+                  <a:schemeClr val="bg2">
+                    <a:lumMod val="10000"/>
+                  </a:schemeClr>
+                </a:solidFill>
+                <a:latin typeface="Arial" panose="020B0604020202020204" pitchFamily="34" charset="0"/>
+                <a:cs typeface="Arial" panose="020B0604020202020204" pitchFamily="34" charset="0"/>
+              </a:rPr>
+              <a:t>Common procedure: Pull </a:t>
+            </a:r>
+            <a:r>
+              <a:rPr lang="en-US" sz="1400" dirty="0" smtClean="0">
+                <a:solidFill>
+                  <a:schemeClr val="bg2">
+                    <a:lumMod val="10000"/>
+                  </a:schemeClr>
+                </a:solidFill>
+                <a:latin typeface="Arial" panose="020B0604020202020204" pitchFamily="34" charset="0"/>
+                <a:cs typeface="Arial" panose="020B0604020202020204" pitchFamily="34" charset="0"/>
+                <a:sym typeface="Wingdings" panose="05000000000000000000" pitchFamily="2" charset="2"/>
+              </a:rPr>
+              <a:t> Write your code -&gt; Add -&gt; Pull -&gt; Resolve any conflicts -&gt; commit -&gt; Push</a:t>
+            </a:r>
+          </a:p>
+          <a:p>
+            <a:pPr marL="342900" lvl="0" indent="-342900">
+              <a:spcBef>
+                <a:spcPct val="0"/>
+              </a:spcBef>
+              <a:buFont typeface="Arial" panose="020B0604020202020204" pitchFamily="34" charset="0"/>
+              <a:buChar char="•"/>
+              <a:defRPr/>
+            </a:pPr>
+            <a:endParaRPr lang="en-US" sz="1400" dirty="0" smtClean="0">
+              <a:solidFill>
+                <a:schemeClr val="bg2">
+                  <a:lumMod val="10000"/>
+                </a:schemeClr>
+              </a:solidFill>
+              <a:latin typeface="Arial" panose="020B0604020202020204" pitchFamily="34" charset="0"/>
+              <a:cs typeface="Arial" panose="020B0604020202020204" pitchFamily="34" charset="0"/>
+              <a:sym typeface="Wingdings" panose="05000000000000000000" pitchFamily="2" charset="2"/>
+            </a:endParaRPr>
+          </a:p>
+          <a:p>
+            <a:pPr marL="342900" lvl="0" indent="-342900">
+              <a:spcBef>
+                <a:spcPct val="0"/>
+              </a:spcBef>
+              <a:buFont typeface="Arial" panose="020B0604020202020204" pitchFamily="34" charset="0"/>
+              <a:buChar char="•"/>
+              <a:defRPr/>
+            </a:pPr>
+            <a:r>
+              <a:rPr lang="en-US" sz="1400" dirty="0" smtClean="0">
+                <a:solidFill>
+                  <a:schemeClr val="bg2">
+                    <a:lumMod val="10000"/>
+                  </a:schemeClr>
+                </a:solidFill>
+                <a:latin typeface="Arial" panose="020B0604020202020204" pitchFamily="34" charset="0"/>
+                <a:cs typeface="Arial" panose="020B0604020202020204" pitchFamily="34" charset="0"/>
+                <a:sym typeface="Wingdings" panose="05000000000000000000" pitchFamily="2" charset="2"/>
+              </a:rPr>
+              <a:t>Never have something broken on the master branch</a:t>
+            </a:r>
+          </a:p>
+          <a:p>
+            <a:pPr marL="342900" lvl="0" indent="-342900">
+              <a:spcBef>
+                <a:spcPct val="0"/>
+              </a:spcBef>
+              <a:buFont typeface="Arial" panose="020B0604020202020204" pitchFamily="34" charset="0"/>
+              <a:buChar char="•"/>
+              <a:defRPr/>
+            </a:pPr>
+            <a:endParaRPr lang="en-US" sz="1400" dirty="0" smtClean="0">
+              <a:solidFill>
+                <a:schemeClr val="bg2">
+                  <a:lumMod val="10000"/>
+                </a:schemeClr>
+              </a:solidFill>
+              <a:latin typeface="Arial" panose="020B0604020202020204" pitchFamily="34" charset="0"/>
+              <a:cs typeface="Arial" panose="020B0604020202020204" pitchFamily="34" charset="0"/>
+              <a:sym typeface="Wingdings" panose="05000000000000000000" pitchFamily="2" charset="2"/>
+            </a:endParaRPr>
+          </a:p>
+          <a:p>
+            <a:pPr marL="342900" lvl="0" indent="-342900">
+              <a:spcBef>
+                <a:spcPct val="0"/>
+              </a:spcBef>
+              <a:buFont typeface="Arial" panose="020B0604020202020204" pitchFamily="34" charset="0"/>
+              <a:buChar char="•"/>
+              <a:defRPr/>
+            </a:pPr>
+            <a:r>
+              <a:rPr lang="en-US" sz="1400" dirty="0" smtClean="0">
+                <a:solidFill>
+                  <a:schemeClr val="bg2">
+                    <a:lumMod val="10000"/>
+                  </a:schemeClr>
+                </a:solidFill>
+                <a:latin typeface="Arial" panose="020B0604020202020204" pitchFamily="34" charset="0"/>
+                <a:cs typeface="Arial" panose="020B0604020202020204" pitchFamily="34" charset="0"/>
+                <a:sym typeface="Wingdings" panose="05000000000000000000" pitchFamily="2" charset="2"/>
+              </a:rPr>
+              <a:t>Work on a branch and only merge if you are sure it’s working (and your teammates know you are merging to master branch)</a:t>
+            </a:r>
+          </a:p>
+          <a:p>
+            <a:pPr marL="342900" lvl="0" indent="-342900">
+              <a:spcBef>
+                <a:spcPct val="0"/>
+              </a:spcBef>
+              <a:buFont typeface="Arial" panose="020B0604020202020204" pitchFamily="34" charset="0"/>
+              <a:buChar char="•"/>
+              <a:defRPr/>
+            </a:pPr>
+            <a:endParaRPr lang="en-US" sz="1400" dirty="0" smtClean="0">
+              <a:solidFill>
+                <a:schemeClr val="bg2">
+                  <a:lumMod val="10000"/>
+                </a:schemeClr>
+              </a:solidFill>
+              <a:latin typeface="Arial" panose="020B0604020202020204" pitchFamily="34" charset="0"/>
+              <a:cs typeface="Arial" panose="020B0604020202020204" pitchFamily="34" charset="0"/>
+              <a:sym typeface="Wingdings" panose="05000000000000000000" pitchFamily="2" charset="2"/>
+            </a:endParaRPr>
+          </a:p>
+          <a:p>
+            <a:pPr marL="342900" lvl="0" indent="-342900">
+              <a:spcBef>
+                <a:spcPct val="0"/>
+              </a:spcBef>
+              <a:buFont typeface="Arial" panose="020B0604020202020204" pitchFamily="34" charset="0"/>
+              <a:buChar char="•"/>
+              <a:defRPr/>
+            </a:pPr>
+            <a:r>
+              <a:rPr lang="en-US" sz="1400" dirty="0" err="1" smtClean="0">
+                <a:solidFill>
+                  <a:schemeClr val="bg2">
+                    <a:lumMod val="10000"/>
+                  </a:schemeClr>
+                </a:solidFill>
+                <a:latin typeface="Arial" panose="020B0604020202020204" pitchFamily="34" charset="0"/>
+                <a:cs typeface="Arial" panose="020B0604020202020204" pitchFamily="34" charset="0"/>
+                <a:sym typeface="Wingdings" panose="05000000000000000000" pitchFamily="2" charset="2"/>
+              </a:rPr>
+              <a:t>Git</a:t>
+            </a:r>
+            <a:r>
+              <a:rPr lang="en-US" sz="1400" dirty="0" smtClean="0">
+                <a:solidFill>
+                  <a:schemeClr val="bg2">
+                    <a:lumMod val="10000"/>
+                  </a:schemeClr>
+                </a:solidFill>
+                <a:latin typeface="Arial" panose="020B0604020202020204" pitchFamily="34" charset="0"/>
+                <a:cs typeface="Arial" panose="020B0604020202020204" pitchFamily="34" charset="0"/>
+                <a:sym typeface="Wingdings" panose="05000000000000000000" pitchFamily="2" charset="2"/>
+              </a:rPr>
+              <a:t> pull before you start your work</a:t>
+            </a:r>
+          </a:p>
+          <a:p>
+            <a:pPr marL="342900" lvl="0" indent="-342900">
+              <a:spcBef>
+                <a:spcPct val="0"/>
+              </a:spcBef>
+              <a:buFont typeface="Arial" panose="020B0604020202020204" pitchFamily="34" charset="0"/>
+              <a:buChar char="•"/>
+              <a:defRPr/>
+            </a:pPr>
+            <a:endParaRPr lang="en-US" sz="1400" dirty="0" smtClean="0">
+              <a:solidFill>
+                <a:schemeClr val="bg2">
+                  <a:lumMod val="10000"/>
+                </a:schemeClr>
+              </a:solidFill>
+              <a:latin typeface="Arial" panose="020B0604020202020204" pitchFamily="34" charset="0"/>
+              <a:cs typeface="Arial" panose="020B0604020202020204" pitchFamily="34" charset="0"/>
+              <a:sym typeface="Wingdings" panose="05000000000000000000" pitchFamily="2" charset="2"/>
+            </a:endParaRPr>
+          </a:p>
+          <a:p>
+            <a:pPr marL="342900" lvl="0" indent="-342900">
+              <a:spcBef>
+                <a:spcPct val="0"/>
+              </a:spcBef>
+              <a:buFont typeface="Arial" panose="020B0604020202020204" pitchFamily="34" charset="0"/>
+              <a:buChar char="•"/>
+              <a:defRPr/>
+            </a:pPr>
+            <a:r>
+              <a:rPr lang="en-US" sz="1400" dirty="0" smtClean="0">
+                <a:solidFill>
+                  <a:schemeClr val="bg2">
+                    <a:lumMod val="10000"/>
+                  </a:schemeClr>
+                </a:solidFill>
+                <a:latin typeface="Arial" panose="020B0604020202020204" pitchFamily="34" charset="0"/>
+                <a:cs typeface="Arial" panose="020B0604020202020204" pitchFamily="34" charset="0"/>
+                <a:sym typeface="Wingdings" panose="05000000000000000000" pitchFamily="2" charset="2"/>
+              </a:rPr>
+              <a:t>Push little commits frequently, instead of large commits infrequently</a:t>
+            </a:r>
+            <a:endParaRPr lang="en-US" sz="1400" dirty="0" smtClean="0">
+              <a:solidFill>
+                <a:schemeClr val="bg2">
+                  <a:lumMod val="10000"/>
+                </a:schemeClr>
+              </a:solidFill>
+              <a:latin typeface="Arial" panose="020B0604020202020204" pitchFamily="34" charset="0"/>
+              <a:cs typeface="Arial" panose="020B0604020202020204" pitchFamily="34" charset="0"/>
+            </a:endParaRPr>
+          </a:p>
+        </p:txBody>
+      </p:sp>
+    </p:spTree>
+    <p:extLst>
+      <p:ext uri="{BB962C8B-B14F-4D97-AF65-F5344CB8AC3E}">
+        <p14:creationId xmlns:p14="http://schemas.microsoft.com/office/powerpoint/2010/main" val="38081696"/>
+      </p:ext>
+    </p:extLst>
+  </p:cSld>
+  <p:clrMapOvr>
+    <a:masterClrMapping/>
+  </p:clrMapOvr>
 </p:sld>
 </file>
 
@@ -4139,13 +4826,6 @@
   <p:clrMapOvr>
     <a:masterClrMapping/>
   </p:clrMapOvr>
-  <p:timing>
-    <p:tnLst>
-      <p:par>
-        <p:cTn id="1" dur="indefinite" restart="never" nodeType="tmRoot"/>
-      </p:par>
-    </p:tnLst>
-  </p:timing>
 </p:sld>
 </file>
 
@@ -4523,17 +5203,7 @@
                 <a:latin typeface="Arial"/>
                 <a:cs typeface="Arial"/>
               </a:rPr>
-              <a:t>“Screw Blackboard, let’s </a:t>
-            </a:r>
-            <a:r>
-              <a:rPr lang="en-US" i="1" dirty="0" smtClean="0">
-                <a:solidFill>
-                  <a:srgbClr val="323232"/>
-                </a:solidFill>
-                <a:latin typeface="Arial"/>
-                <a:cs typeface="Arial"/>
-              </a:rPr>
-              <a:t>use </a:t>
+              <a:t>“Screw Blackboard, let’s use </a:t>
             </a:r>
             <a:r>
               <a:rPr lang="en-US" i="1" dirty="0" err="1" smtClean="0">
@@ -5547,13 +6217,6 @@
   <p:clrMapOvr>
     <a:masterClrMapping/>
   </p:clrMapOvr>
-  <p:timing>
-    <p:tnLst>
-      <p:par>
-        <p:cTn id="1" dur="indefinite" restart="never" nodeType="tmRoot"/>
-      </p:par>
-    </p:tnLst>
-  </p:timing>
 </p:sld>
 </file>
 
@@ -5857,13 +6520,6 @@
   <p:clrMapOvr>
     <a:masterClrMapping/>
   </p:clrMapOvr>
-  <p:timing>
-    <p:tnLst>
-      <p:par>
-        <p:cTn id="1" dur="indefinite" restart="never" nodeType="tmRoot"/>
-      </p:par>
-    </p:tnLst>
-  </p:timing>
 </p:sld>
 </file>
 
@@ -6520,13 +7176,6 @@
   <p:clrMapOvr>
     <a:masterClrMapping/>
   </p:clrMapOvr>
-  <p:timing>
-    <p:tnLst>
-      <p:par>
-        <p:cTn id="1" dur="indefinite" restart="never" nodeType="tmRoot"/>
-      </p:par>
-    </p:tnLst>
-  </p:timing>
 </p:sld>
 </file>
 
@@ -6743,13 +7392,6 @@
   <p:clrMapOvr>
     <a:masterClrMapping/>
   </p:clrMapOvr>
-  <p:timing>
-    <p:tnLst>
-      <p:par>
-        <p:cTn id="1" dur="indefinite" restart="never" nodeType="tmRoot"/>
-      </p:par>
-    </p:tnLst>
-  </p:timing>
 </p:sld>
 </file>
 
@@ -6966,13 +7608,6 @@
   <p:clrMapOvr>
     <a:masterClrMapping/>
   </p:clrMapOvr>
-  <p:timing>
-    <p:tnLst>
-      <p:par>
-        <p:cTn id="1" dur="indefinite" restart="never" nodeType="tmRoot"/>
-      </p:par>
-    </p:tnLst>
-  </p:timing>
 </p:sld>
 </file>
 
@@ -7441,15 +8076,6 @@
               </a:rPr>
               <a:t>Loads designated commit state to your local machine</a:t>
             </a:r>
-            <a:endParaRPr lang="en-US" sz="1400" dirty="0" smtClean="0">
-              <a:solidFill>
-                <a:schemeClr val="bg2">
-                  <a:lumMod val="10000"/>
-                </a:schemeClr>
-              </a:solidFill>
-              <a:latin typeface="Arial"/>
-              <a:cs typeface="Arial"/>
-            </a:endParaRPr>
           </a:p>
           <a:p>
             <a:pPr marL="800100" lvl="1" indent="-342900">
@@ -7604,13 +8230,6 @@
   <p:clrMapOvr>
     <a:masterClrMapping/>
   </p:clrMapOvr>
-  <p:timing>
-    <p:tnLst>
-      <p:par>
-        <p:cTn id="1" dur="indefinite" restart="never" nodeType="tmRoot"/>
-      </p:par>
-    </p:tnLst>
-  </p:timing>
 </p:sld>
 </file>
 
